--- a/2019-10-26 Implementing DDD/Presentation.pptx
+++ b/2019-10-26 Implementing DDD/Presentation.pptx
@@ -21,6 +21,13 @@
     <p:sldId id="268" r:id="rId15"/>
     <p:sldId id="273" r:id="rId16"/>
     <p:sldId id="274" r:id="rId17"/>
+    <p:sldId id="275" r:id="rId18"/>
+    <p:sldId id="276" r:id="rId19"/>
+    <p:sldId id="277" r:id="rId20"/>
+    <p:sldId id="279" r:id="rId21"/>
+    <p:sldId id="280" r:id="rId22"/>
+    <p:sldId id="282" r:id="rId23"/>
+    <p:sldId id="278" r:id="rId24"/>
   </p:sldIdLst>
   <p:sldSz cx="12192000" cy="6858000"/>
   <p:notesSz cx="6858000" cy="9144000"/>
@@ -119,6 +126,11 @@
       </a:defRPr>
     </a:lvl9pPr>
   </p:defaultTextStyle>
+  <p:extLst>
+    <p:ext uri="{EFAFB233-063F-42B5-8137-9DF3F51BA10A}">
+      <p15:sldGuideLst xmlns:p15="http://schemas.microsoft.com/office/powerpoint/2012/main"/>
+    </p:ext>
+  </p:extLst>
 </p:presentation>
 </file>
 
@@ -4818,10 +4830,10 @@
       </p:sp>
       <p:pic>
         <p:nvPicPr>
-          <p:cNvPr id="4" name="Picture 3">
-            <a:extLst>
-              <a:ext uri="{FF2B5EF4-FFF2-40B4-BE49-F238E27FC236}">
-                <a16:creationId xmlns:a16="http://schemas.microsoft.com/office/drawing/2014/main" id="{F56B9422-BB0B-40C7-8C04-EEAC6917CC4A}"/>
+          <p:cNvPr id="5" name="Picture 4">
+            <a:extLst>
+              <a:ext uri="{FF2B5EF4-FFF2-40B4-BE49-F238E27FC236}">
+                <a16:creationId xmlns:a16="http://schemas.microsoft.com/office/drawing/2014/main" id="{62E158DF-9FAB-400A-9EE0-123D4865975C}"/>
               </a:ext>
             </a:extLst>
           </p:cNvPr>
@@ -4838,8 +4850,8 @@
         </p:blipFill>
         <p:spPr>
           <a:xfrm>
-            <a:off x="838199" y="2832971"/>
-            <a:ext cx="8712087" cy="3555954"/>
+            <a:off x="838200" y="2843408"/>
+            <a:ext cx="6957651" cy="3786982"/>
           </a:xfrm>
           <a:prstGeom prst="rect">
             <a:avLst/>
@@ -4990,6 +5002,402 @@
 </p:sld>
 </file>
 
+<file path=ppt/slides/slide17.xml><?xml version="1.0" encoding="utf-8"?>
+<p:sld xmlns:a="http://schemas.openxmlformats.org/drawingml/2006/main" xmlns:r="http://schemas.openxmlformats.org/officeDocument/2006/relationships" xmlns:p="http://schemas.openxmlformats.org/presentationml/2006/main">
+  <p:cSld>
+    <p:spTree>
+      <p:nvGrpSpPr>
+        <p:cNvPr id="1" name=""/>
+        <p:cNvGrpSpPr/>
+        <p:nvPr/>
+      </p:nvGrpSpPr>
+      <p:grpSpPr>
+        <a:xfrm>
+          <a:off x="0" y="0"/>
+          <a:ext cx="0" cy="0"/>
+          <a:chOff x="0" y="0"/>
+          <a:chExt cx="0" cy="0"/>
+        </a:xfrm>
+      </p:grpSpPr>
+      <p:sp>
+        <p:nvSpPr>
+          <p:cNvPr id="2" name="Title 1">
+            <a:extLst>
+              <a:ext uri="{FF2B5EF4-FFF2-40B4-BE49-F238E27FC236}">
+                <a16:creationId xmlns:a16="http://schemas.microsoft.com/office/drawing/2014/main" id="{BDD446CD-C68E-4B34-9354-E8F68D0EB962}"/>
+              </a:ext>
+            </a:extLst>
+          </p:cNvPr>
+          <p:cNvSpPr>
+            <a:spLocks noGrp="1"/>
+          </p:cNvSpPr>
+          <p:nvPr>
+            <p:ph type="title"/>
+          </p:nvPr>
+        </p:nvSpPr>
+        <p:spPr/>
+        <p:txBody>
+          <a:bodyPr/>
+          <a:lstStyle/>
+          <a:p>
+            <a:r>
+              <a:rPr lang="en-US" dirty="0"/>
+              <a:t>Repositories</a:t>
+            </a:r>
+            <a:br>
+              <a:rPr lang="en-US" dirty="0"/>
+            </a:br>
+            <a:r>
+              <a:rPr lang="en-US" sz="3600" dirty="0"/>
+              <a:t>Principles</a:t>
+            </a:r>
+            <a:endParaRPr lang="en-US" dirty="0"/>
+          </a:p>
+        </p:txBody>
+      </p:sp>
+      <p:sp>
+        <p:nvSpPr>
+          <p:cNvPr id="3" name="Content Placeholder 2">
+            <a:extLst>
+              <a:ext uri="{FF2B5EF4-FFF2-40B4-BE49-F238E27FC236}">
+                <a16:creationId xmlns:a16="http://schemas.microsoft.com/office/drawing/2014/main" id="{D4177B28-2B93-49AF-A420-DECFC76E329B}"/>
+              </a:ext>
+            </a:extLst>
+          </p:cNvPr>
+          <p:cNvSpPr>
+            <a:spLocks noGrp="1"/>
+          </p:cNvSpPr>
+          <p:nvPr>
+            <p:ph idx="1"/>
+          </p:nvPr>
+        </p:nvSpPr>
+        <p:spPr/>
+        <p:txBody>
+          <a:bodyPr/>
+          <a:lstStyle/>
+          <a:p>
+            <a:r>
+              <a:rPr lang="en-US" dirty="0"/>
+              <a:t>Define interface in the domain layer, implement in the infrastructure</a:t>
+            </a:r>
+          </a:p>
+          <a:p>
+            <a:r>
+              <a:rPr lang="en-US" dirty="0"/>
+              <a:t>Do not include domain logic</a:t>
+            </a:r>
+          </a:p>
+          <a:p>
+            <a:r>
+              <a:rPr lang="en-US" dirty="0"/>
+              <a:t>Repository interface should be database provider / ORM independent</a:t>
+            </a:r>
+          </a:p>
+          <a:p>
+            <a:r>
+              <a:rPr lang="en-US" dirty="0"/>
+              <a:t>Create repositories for </a:t>
+            </a:r>
+            <a:r>
+              <a:rPr lang="en-US" b="1" dirty="0"/>
+              <a:t>aggregate roots</a:t>
+            </a:r>
+            <a:r>
+              <a:rPr lang="en-US" dirty="0"/>
+              <a:t>, not entities</a:t>
+            </a:r>
+          </a:p>
+        </p:txBody>
+      </p:sp>
+    </p:spTree>
+    <p:extLst>
+      <p:ext uri="{BB962C8B-B14F-4D97-AF65-F5344CB8AC3E}">
+        <p14:creationId xmlns:p14="http://schemas.microsoft.com/office/powerpoint/2010/main" val="2102858930"/>
+      </p:ext>
+    </p:extLst>
+  </p:cSld>
+  <p:clrMapOvr>
+    <a:masterClrMapping/>
+  </p:clrMapOvr>
+</p:sld>
+</file>
+
+<file path=ppt/slides/slide18.xml><?xml version="1.0" encoding="utf-8"?>
+<p:sld xmlns:a="http://schemas.openxmlformats.org/drawingml/2006/main" xmlns:r="http://schemas.openxmlformats.org/officeDocument/2006/relationships" xmlns:p="http://schemas.openxmlformats.org/presentationml/2006/main">
+  <p:cSld>
+    <p:spTree>
+      <p:nvGrpSpPr>
+        <p:cNvPr id="1" name=""/>
+        <p:cNvGrpSpPr/>
+        <p:nvPr/>
+      </p:nvGrpSpPr>
+      <p:grpSpPr>
+        <a:xfrm>
+          <a:off x="0" y="0"/>
+          <a:ext cx="0" cy="0"/>
+          <a:chOff x="0" y="0"/>
+          <a:chExt cx="0" cy="0"/>
+        </a:xfrm>
+      </p:grpSpPr>
+      <p:sp>
+        <p:nvSpPr>
+          <p:cNvPr id="2" name="Title 1">
+            <a:extLst>
+              <a:ext uri="{FF2B5EF4-FFF2-40B4-BE49-F238E27FC236}">
+                <a16:creationId xmlns:a16="http://schemas.microsoft.com/office/drawing/2014/main" id="{BDD446CD-C68E-4B34-9354-E8F68D0EB962}"/>
+              </a:ext>
+            </a:extLst>
+          </p:cNvPr>
+          <p:cNvSpPr>
+            <a:spLocks noGrp="1"/>
+          </p:cNvSpPr>
+          <p:nvPr>
+            <p:ph type="title"/>
+          </p:nvPr>
+        </p:nvSpPr>
+        <p:spPr/>
+        <p:txBody>
+          <a:bodyPr/>
+          <a:lstStyle/>
+          <a:p>
+            <a:r>
+              <a:rPr lang="en-US" dirty="0"/>
+              <a:t>Repositories</a:t>
+            </a:r>
+            <a:br>
+              <a:rPr lang="en-US" dirty="0"/>
+            </a:br>
+            <a:r>
+              <a:rPr lang="en-US" sz="3600" dirty="0"/>
+              <a:t>Do not include domain logic</a:t>
+            </a:r>
+            <a:endParaRPr lang="en-US" dirty="0"/>
+          </a:p>
+        </p:txBody>
+      </p:sp>
+      <p:sp>
+        <p:nvSpPr>
+          <p:cNvPr id="7" name="TextBox 6">
+            <a:extLst>
+              <a:ext uri="{FF2B5EF4-FFF2-40B4-BE49-F238E27FC236}">
+                <a16:creationId xmlns:a16="http://schemas.microsoft.com/office/drawing/2014/main" id="{E383A81E-E4B8-4201-98E7-BD4F90DC9FB2}"/>
+              </a:ext>
+            </a:extLst>
+          </p:cNvPr>
+          <p:cNvSpPr txBox="1"/>
+          <p:nvPr/>
+        </p:nvSpPr>
+        <p:spPr>
+          <a:xfrm>
+            <a:off x="7460360" y="5031180"/>
+            <a:ext cx="3893440" cy="461665"/>
+          </a:xfrm>
+          <a:prstGeom prst="rect">
+            <a:avLst/>
+          </a:prstGeom>
+          <a:noFill/>
+        </p:spPr>
+        <p:txBody>
+          <a:bodyPr wrap="square" rtlCol="0">
+            <a:spAutoFit/>
+          </a:bodyPr>
+          <a:lstStyle/>
+          <a:p>
+            <a:r>
+              <a:rPr lang="en-US" sz="2400" dirty="0"/>
+              <a:t>What is an In-Active issue?</a:t>
+            </a:r>
+          </a:p>
+        </p:txBody>
+      </p:sp>
+      <p:pic>
+        <p:nvPicPr>
+          <p:cNvPr id="8" name="Picture 7">
+            <a:extLst>
+              <a:ext uri="{FF2B5EF4-FFF2-40B4-BE49-F238E27FC236}">
+                <a16:creationId xmlns:a16="http://schemas.microsoft.com/office/drawing/2014/main" id="{A4C21B06-1F38-4FC5-97D1-BDC008905D74}"/>
+              </a:ext>
+            </a:extLst>
+          </p:cNvPr>
+          <p:cNvPicPr>
+            <a:picLocks noChangeAspect="1"/>
+          </p:cNvPicPr>
+          <p:nvPr/>
+        </p:nvPicPr>
+        <p:blipFill>
+          <a:blip r:embed="rId2"/>
+          <a:stretch>
+            <a:fillRect/>
+          </a:stretch>
+        </p:blipFill>
+        <p:spPr>
+          <a:xfrm>
+            <a:off x="838201" y="1690688"/>
+            <a:ext cx="6583878" cy="4075483"/>
+          </a:xfrm>
+          <a:prstGeom prst="rect">
+            <a:avLst/>
+          </a:prstGeom>
+        </p:spPr>
+      </p:pic>
+    </p:spTree>
+    <p:extLst>
+      <p:ext uri="{BB962C8B-B14F-4D97-AF65-F5344CB8AC3E}">
+        <p14:creationId xmlns:p14="http://schemas.microsoft.com/office/powerpoint/2010/main" val="694472099"/>
+      </p:ext>
+    </p:extLst>
+  </p:cSld>
+  <p:clrMapOvr>
+    <a:masterClrMapping/>
+  </p:clrMapOvr>
+</p:sld>
+</file>
+
+<file path=ppt/slides/slide19.xml><?xml version="1.0" encoding="utf-8"?>
+<p:sld xmlns:a="http://schemas.openxmlformats.org/drawingml/2006/main" xmlns:r="http://schemas.openxmlformats.org/officeDocument/2006/relationships" xmlns:p="http://schemas.openxmlformats.org/presentationml/2006/main">
+  <p:cSld>
+    <p:spTree>
+      <p:nvGrpSpPr>
+        <p:cNvPr id="1" name=""/>
+        <p:cNvGrpSpPr/>
+        <p:nvPr/>
+      </p:nvGrpSpPr>
+      <p:grpSpPr>
+        <a:xfrm>
+          <a:off x="0" y="0"/>
+          <a:ext cx="0" cy="0"/>
+          <a:chOff x="0" y="0"/>
+          <a:chExt cx="0" cy="0"/>
+        </a:xfrm>
+      </p:grpSpPr>
+      <p:sp>
+        <p:nvSpPr>
+          <p:cNvPr id="2" name="Title 1">
+            <a:extLst>
+              <a:ext uri="{FF2B5EF4-FFF2-40B4-BE49-F238E27FC236}">
+                <a16:creationId xmlns:a16="http://schemas.microsoft.com/office/drawing/2014/main" id="{BDD446CD-C68E-4B34-9354-E8F68D0EB962}"/>
+              </a:ext>
+            </a:extLst>
+          </p:cNvPr>
+          <p:cNvSpPr>
+            <a:spLocks noGrp="1"/>
+          </p:cNvSpPr>
+          <p:nvPr>
+            <p:ph type="title"/>
+          </p:nvPr>
+        </p:nvSpPr>
+        <p:spPr/>
+        <p:txBody>
+          <a:bodyPr/>
+          <a:lstStyle/>
+          <a:p>
+            <a:r>
+              <a:rPr lang="en-US" dirty="0"/>
+              <a:t>Repositories</a:t>
+            </a:r>
+            <a:br>
+              <a:rPr lang="en-US" dirty="0"/>
+            </a:br>
+            <a:r>
+              <a:rPr lang="en-US" sz="3600" dirty="0"/>
+              <a:t>Do not include domain logic</a:t>
+            </a:r>
+            <a:endParaRPr lang="en-US" dirty="0"/>
+          </a:p>
+        </p:txBody>
+      </p:sp>
+      <p:pic>
+        <p:nvPicPr>
+          <p:cNvPr id="3" name="Picture 2">
+            <a:extLst>
+              <a:ext uri="{FF2B5EF4-FFF2-40B4-BE49-F238E27FC236}">
+                <a16:creationId xmlns:a16="http://schemas.microsoft.com/office/drawing/2014/main" id="{0FA1AF23-83C7-4B33-A3A0-ADFC4E0962B1}"/>
+              </a:ext>
+            </a:extLst>
+          </p:cNvPr>
+          <p:cNvPicPr>
+            <a:picLocks noChangeAspect="1"/>
+          </p:cNvPicPr>
+          <p:nvPr/>
+        </p:nvPicPr>
+        <p:blipFill>
+          <a:blip r:embed="rId2"/>
+          <a:stretch>
+            <a:fillRect/>
+          </a:stretch>
+        </p:blipFill>
+        <p:spPr>
+          <a:xfrm>
+            <a:off x="525485" y="1656906"/>
+            <a:ext cx="7193476" cy="5048693"/>
+          </a:xfrm>
+          <a:prstGeom prst="rect">
+            <a:avLst/>
+          </a:prstGeom>
+        </p:spPr>
+      </p:pic>
+      <p:sp>
+        <p:nvSpPr>
+          <p:cNvPr id="8" name="TextBox 7">
+            <a:extLst>
+              <a:ext uri="{FF2B5EF4-FFF2-40B4-BE49-F238E27FC236}">
+                <a16:creationId xmlns:a16="http://schemas.microsoft.com/office/drawing/2014/main" id="{13635787-1E5D-4323-839C-BC7F7CCD3CF1}"/>
+              </a:ext>
+            </a:extLst>
+          </p:cNvPr>
+          <p:cNvSpPr txBox="1"/>
+          <p:nvPr/>
+        </p:nvSpPr>
+        <p:spPr>
+          <a:xfrm>
+            <a:off x="8031676" y="1571503"/>
+            <a:ext cx="3893440" cy="1569660"/>
+          </a:xfrm>
+          <a:prstGeom prst="rect">
+            <a:avLst/>
+          </a:prstGeom>
+          <a:noFill/>
+        </p:spPr>
+        <p:txBody>
+          <a:bodyPr wrap="square" rtlCol="0">
+            <a:spAutoFit/>
+          </a:bodyPr>
+          <a:lstStyle/>
+          <a:p>
+            <a:pPr marL="342900" indent="-342900">
+              <a:buFont typeface="Arial" panose="020B0604020202020204" pitchFamily="34" charset="0"/>
+              <a:buChar char="•"/>
+            </a:pPr>
+            <a:r>
+              <a:rPr lang="en-US" sz="2400" dirty="0"/>
+              <a:t>Implicit definition of a domain rule!</a:t>
+            </a:r>
+          </a:p>
+          <a:p>
+            <a:pPr marL="342900" indent="-342900">
+              <a:buFont typeface="Arial" panose="020B0604020202020204" pitchFamily="34" charset="0"/>
+              <a:buChar char="•"/>
+            </a:pPr>
+            <a:r>
+              <a:rPr lang="en-US" sz="2400" dirty="0"/>
+              <a:t>How to re-use this expression? Copy/paste?</a:t>
+            </a:r>
+          </a:p>
+        </p:txBody>
+      </p:sp>
+    </p:spTree>
+    <p:extLst>
+      <p:ext uri="{BB962C8B-B14F-4D97-AF65-F5344CB8AC3E}">
+        <p14:creationId xmlns:p14="http://schemas.microsoft.com/office/powerpoint/2010/main" val="907533263"/>
+      </p:ext>
+    </p:extLst>
+  </p:cSld>
+  <p:clrMapOvr>
+    <a:masterClrMapping/>
+  </p:clrMapOvr>
+</p:sld>
+</file>
+
 <file path=ppt/slides/slide2.xml><?xml version="1.0" encoding="utf-8"?>
 <p:sld xmlns:a="http://schemas.openxmlformats.org/drawingml/2006/main" xmlns:r="http://schemas.openxmlformats.org/officeDocument/2006/relationships" xmlns:p="http://schemas.openxmlformats.org/presentationml/2006/main">
   <p:cSld>
@@ -5121,6 +5529,563 @@
     <p:extLst>
       <p:ext uri="{BB962C8B-B14F-4D97-AF65-F5344CB8AC3E}">
         <p14:creationId xmlns:p14="http://schemas.microsoft.com/office/powerpoint/2010/main" val="2789523486"/>
+      </p:ext>
+    </p:extLst>
+  </p:cSld>
+  <p:clrMapOvr>
+    <a:masterClrMapping/>
+  </p:clrMapOvr>
+</p:sld>
+</file>
+
+<file path=ppt/slides/slide20.xml><?xml version="1.0" encoding="utf-8"?>
+<p:sld xmlns:a="http://schemas.openxmlformats.org/drawingml/2006/main" xmlns:r="http://schemas.openxmlformats.org/officeDocument/2006/relationships" xmlns:p="http://schemas.openxmlformats.org/presentationml/2006/main">
+  <p:cSld>
+    <p:spTree>
+      <p:nvGrpSpPr>
+        <p:cNvPr id="1" name=""/>
+        <p:cNvGrpSpPr/>
+        <p:nvPr/>
+      </p:nvGrpSpPr>
+      <p:grpSpPr>
+        <a:xfrm>
+          <a:off x="0" y="0"/>
+          <a:ext cx="0" cy="0"/>
+          <a:chOff x="0" y="0"/>
+          <a:chExt cx="0" cy="0"/>
+        </a:xfrm>
+      </p:grpSpPr>
+      <p:sp>
+        <p:nvSpPr>
+          <p:cNvPr id="2" name="Title 1">
+            <a:extLst>
+              <a:ext uri="{FF2B5EF4-FFF2-40B4-BE49-F238E27FC236}">
+                <a16:creationId xmlns:a16="http://schemas.microsoft.com/office/drawing/2014/main" id="{BDD446CD-C68E-4B34-9354-E8F68D0EB962}"/>
+              </a:ext>
+            </a:extLst>
+          </p:cNvPr>
+          <p:cNvSpPr>
+            <a:spLocks noGrp="1"/>
+          </p:cNvSpPr>
+          <p:nvPr>
+            <p:ph type="title"/>
+          </p:nvPr>
+        </p:nvSpPr>
+        <p:spPr/>
+        <p:txBody>
+          <a:bodyPr/>
+          <a:lstStyle/>
+          <a:p>
+            <a:r>
+              <a:rPr lang="en-US" dirty="0"/>
+              <a:t>Repositories</a:t>
+            </a:r>
+            <a:br>
+              <a:rPr lang="en-US" dirty="0"/>
+            </a:br>
+            <a:r>
+              <a:rPr lang="en-US" sz="3600" dirty="0"/>
+              <a:t>Do not include domain logic</a:t>
+            </a:r>
+            <a:endParaRPr lang="en-US" dirty="0"/>
+          </a:p>
+        </p:txBody>
+      </p:sp>
+      <p:sp>
+        <p:nvSpPr>
+          <p:cNvPr id="8" name="TextBox 7">
+            <a:extLst>
+              <a:ext uri="{FF2B5EF4-FFF2-40B4-BE49-F238E27FC236}">
+                <a16:creationId xmlns:a16="http://schemas.microsoft.com/office/drawing/2014/main" id="{13635787-1E5D-4323-839C-BC7F7CCD3CF1}"/>
+              </a:ext>
+            </a:extLst>
+          </p:cNvPr>
+          <p:cNvSpPr txBox="1"/>
+          <p:nvPr/>
+        </p:nvSpPr>
+        <p:spPr>
+          <a:xfrm>
+            <a:off x="8031676" y="1571503"/>
+            <a:ext cx="3893440" cy="2677656"/>
+          </a:xfrm>
+          <a:prstGeom prst="rect">
+            <a:avLst/>
+          </a:prstGeom>
+          <a:noFill/>
+        </p:spPr>
+        <p:txBody>
+          <a:bodyPr wrap="square" rtlCol="0">
+            <a:spAutoFit/>
+          </a:bodyPr>
+          <a:lstStyle/>
+          <a:p>
+            <a:pPr marL="342900" indent="-342900">
+              <a:buFont typeface="Arial" panose="020B0604020202020204" pitchFamily="34" charset="0"/>
+              <a:buChar char="•"/>
+            </a:pPr>
+            <a:r>
+              <a:rPr lang="en-US" sz="2400" dirty="0"/>
+              <a:t>Implicit definition of a domain rule!</a:t>
+            </a:r>
+          </a:p>
+          <a:p>
+            <a:pPr marL="342900" indent="-342900">
+              <a:buFont typeface="Arial" panose="020B0604020202020204" pitchFamily="34" charset="0"/>
+              <a:buChar char="•"/>
+            </a:pPr>
+            <a:r>
+              <a:rPr lang="en-US" sz="2400" dirty="0"/>
+              <a:t>How to re-use this expression? Copy/paste?</a:t>
+            </a:r>
+          </a:p>
+          <a:p>
+            <a:pPr marL="342900" indent="-342900">
+              <a:buFont typeface="Arial" panose="020B0604020202020204" pitchFamily="34" charset="0"/>
+              <a:buChar char="•"/>
+            </a:pPr>
+            <a:r>
+              <a:rPr lang="en-US" sz="2400" b="1" dirty="0"/>
+              <a:t>Solution: Specification Pattern! (will be explained in the next slides)</a:t>
+            </a:r>
+          </a:p>
+        </p:txBody>
+      </p:sp>
+      <p:pic>
+        <p:nvPicPr>
+          <p:cNvPr id="5" name="Picture 4">
+            <a:extLst>
+              <a:ext uri="{FF2B5EF4-FFF2-40B4-BE49-F238E27FC236}">
+                <a16:creationId xmlns:a16="http://schemas.microsoft.com/office/drawing/2014/main" id="{42664024-8FF5-4BD0-8B85-25CFB0BFFA21}"/>
+              </a:ext>
+            </a:extLst>
+          </p:cNvPr>
+          <p:cNvPicPr>
+            <a:picLocks noChangeAspect="1"/>
+          </p:cNvPicPr>
+          <p:nvPr/>
+        </p:nvPicPr>
+        <p:blipFill>
+          <a:blip r:embed="rId2"/>
+          <a:stretch>
+            <a:fillRect/>
+          </a:stretch>
+        </p:blipFill>
+        <p:spPr>
+          <a:xfrm>
+            <a:off x="948020" y="1634836"/>
+            <a:ext cx="5944337" cy="5080660"/>
+          </a:xfrm>
+          <a:prstGeom prst="rect">
+            <a:avLst/>
+          </a:prstGeom>
+        </p:spPr>
+      </p:pic>
+    </p:spTree>
+    <p:extLst>
+      <p:ext uri="{BB962C8B-B14F-4D97-AF65-F5344CB8AC3E}">
+        <p14:creationId xmlns:p14="http://schemas.microsoft.com/office/powerpoint/2010/main" val="1942012890"/>
+      </p:ext>
+    </p:extLst>
+  </p:cSld>
+  <p:clrMapOvr>
+    <a:masterClrMapping/>
+  </p:clrMapOvr>
+</p:sld>
+</file>
+
+<file path=ppt/slides/slide21.xml><?xml version="1.0" encoding="utf-8"?>
+<p:sld xmlns:a="http://schemas.openxmlformats.org/drawingml/2006/main" xmlns:r="http://schemas.openxmlformats.org/officeDocument/2006/relationships" xmlns:p="http://schemas.openxmlformats.org/presentationml/2006/main">
+  <p:cSld>
+    <p:spTree>
+      <p:nvGrpSpPr>
+        <p:cNvPr id="1" name=""/>
+        <p:cNvGrpSpPr/>
+        <p:nvPr/>
+      </p:nvGrpSpPr>
+      <p:grpSpPr>
+        <a:xfrm>
+          <a:off x="0" y="0"/>
+          <a:ext cx="0" cy="0"/>
+          <a:chOff x="0" y="0"/>
+          <a:chExt cx="0" cy="0"/>
+        </a:xfrm>
+      </p:grpSpPr>
+      <p:sp>
+        <p:nvSpPr>
+          <p:cNvPr id="2" name="Title 1">
+            <a:extLst>
+              <a:ext uri="{FF2B5EF4-FFF2-40B4-BE49-F238E27FC236}">
+                <a16:creationId xmlns:a16="http://schemas.microsoft.com/office/drawing/2014/main" id="{BDD446CD-C68E-4B34-9354-E8F68D0EB962}"/>
+              </a:ext>
+            </a:extLst>
+          </p:cNvPr>
+          <p:cNvSpPr>
+            <a:spLocks noGrp="1"/>
+          </p:cNvSpPr>
+          <p:nvPr>
+            <p:ph type="title"/>
+          </p:nvPr>
+        </p:nvSpPr>
+        <p:spPr/>
+        <p:txBody>
+          <a:bodyPr/>
+          <a:lstStyle/>
+          <a:p>
+            <a:r>
+              <a:rPr lang="en-US" dirty="0"/>
+              <a:t>Repositories</a:t>
+            </a:r>
+            <a:br>
+              <a:rPr lang="en-US" dirty="0"/>
+            </a:br>
+            <a:r>
+              <a:rPr lang="en-US" sz="3600" dirty="0"/>
+              <a:t>Querying</a:t>
+            </a:r>
+            <a:endParaRPr lang="en-US" dirty="0"/>
+          </a:p>
+        </p:txBody>
+      </p:sp>
+      <p:pic>
+        <p:nvPicPr>
+          <p:cNvPr id="3" name="Picture 2">
+            <a:extLst>
+              <a:ext uri="{FF2B5EF4-FFF2-40B4-BE49-F238E27FC236}">
+                <a16:creationId xmlns:a16="http://schemas.microsoft.com/office/drawing/2014/main" id="{6EC51A68-EA70-4F50-9A9F-4D510AE7E3C2}"/>
+              </a:ext>
+            </a:extLst>
+          </p:cNvPr>
+          <p:cNvPicPr>
+            <a:picLocks noChangeAspect="1"/>
+          </p:cNvPicPr>
+          <p:nvPr/>
+        </p:nvPicPr>
+        <p:blipFill>
+          <a:blip r:embed="rId2"/>
+          <a:stretch>
+            <a:fillRect/>
+          </a:stretch>
+        </p:blipFill>
+        <p:spPr>
+          <a:xfrm>
+            <a:off x="838200" y="1659905"/>
+            <a:ext cx="4233925" cy="3022931"/>
+          </a:xfrm>
+          <a:prstGeom prst="rect">
+            <a:avLst/>
+          </a:prstGeom>
+        </p:spPr>
+      </p:pic>
+      <p:pic>
+        <p:nvPicPr>
+          <p:cNvPr id="4" name="Picture 3">
+            <a:extLst>
+              <a:ext uri="{FF2B5EF4-FFF2-40B4-BE49-F238E27FC236}">
+                <a16:creationId xmlns:a16="http://schemas.microsoft.com/office/drawing/2014/main" id="{BC4F21F5-B569-4D96-BBEE-735F40DDD2CA}"/>
+              </a:ext>
+            </a:extLst>
+          </p:cNvPr>
+          <p:cNvPicPr>
+            <a:picLocks noChangeAspect="1"/>
+          </p:cNvPicPr>
+          <p:nvPr/>
+        </p:nvPicPr>
+        <p:blipFill>
+          <a:blip r:embed="rId3"/>
+          <a:stretch>
+            <a:fillRect/>
+          </a:stretch>
+        </p:blipFill>
+        <p:spPr>
+          <a:xfrm>
+            <a:off x="6834311" y="2167244"/>
+            <a:ext cx="4931167" cy="1728450"/>
+          </a:xfrm>
+          <a:prstGeom prst="rect">
+            <a:avLst/>
+          </a:prstGeom>
+        </p:spPr>
+      </p:pic>
+      <p:sp>
+        <p:nvSpPr>
+          <p:cNvPr id="6" name="Arrow: Right 5">
+            <a:extLst>
+              <a:ext uri="{FF2B5EF4-FFF2-40B4-BE49-F238E27FC236}">
+                <a16:creationId xmlns:a16="http://schemas.microsoft.com/office/drawing/2014/main" id="{E10BC940-1850-4062-951A-6FA5B17106C4}"/>
+              </a:ext>
+            </a:extLst>
+          </p:cNvPr>
+          <p:cNvSpPr/>
+          <p:nvPr/>
+        </p:nvSpPr>
+        <p:spPr>
+          <a:xfrm>
+            <a:off x="5288478" y="2825683"/>
+            <a:ext cx="1041070" cy="411572"/>
+          </a:xfrm>
+          <a:prstGeom prst="rightArrow">
+            <a:avLst/>
+          </a:prstGeom>
+        </p:spPr>
+        <p:style>
+          <a:lnRef idx="2">
+            <a:schemeClr val="accent2">
+              <a:shade val="50000"/>
+            </a:schemeClr>
+          </a:lnRef>
+          <a:fillRef idx="1">
+            <a:schemeClr val="accent2"/>
+          </a:fillRef>
+          <a:effectRef idx="0">
+            <a:schemeClr val="accent2"/>
+          </a:effectRef>
+          <a:fontRef idx="minor">
+            <a:schemeClr val="lt1"/>
+          </a:fontRef>
+        </p:style>
+        <p:txBody>
+          <a:bodyPr rtlCol="0" anchor="ctr"/>
+          <a:lstStyle/>
+          <a:p>
+            <a:pPr algn="ctr"/>
+            <a:endParaRPr lang="en-US"/>
+          </a:p>
+        </p:txBody>
+      </p:sp>
+    </p:spTree>
+    <p:extLst>
+      <p:ext uri="{BB962C8B-B14F-4D97-AF65-F5344CB8AC3E}">
+        <p14:creationId xmlns:p14="http://schemas.microsoft.com/office/powerpoint/2010/main" val="539640982"/>
+      </p:ext>
+    </p:extLst>
+  </p:cSld>
+  <p:clrMapOvr>
+    <a:masterClrMapping/>
+  </p:clrMapOvr>
+</p:sld>
+</file>
+
+<file path=ppt/slides/slide22.xml><?xml version="1.0" encoding="utf-8"?>
+<p:sld xmlns:a="http://schemas.openxmlformats.org/drawingml/2006/main" xmlns:r="http://schemas.openxmlformats.org/officeDocument/2006/relationships" xmlns:p="http://schemas.openxmlformats.org/presentationml/2006/main">
+  <p:cSld>
+    <p:spTree>
+      <p:nvGrpSpPr>
+        <p:cNvPr id="1" name=""/>
+        <p:cNvGrpSpPr/>
+        <p:nvPr/>
+      </p:nvGrpSpPr>
+      <p:grpSpPr>
+        <a:xfrm>
+          <a:off x="0" y="0"/>
+          <a:ext cx="0" cy="0"/>
+          <a:chOff x="0" y="0"/>
+          <a:chExt cx="0" cy="0"/>
+        </a:xfrm>
+      </p:grpSpPr>
+      <p:sp>
+        <p:nvSpPr>
+          <p:cNvPr id="2" name="Title 1">
+            <a:extLst>
+              <a:ext uri="{FF2B5EF4-FFF2-40B4-BE49-F238E27FC236}">
+                <a16:creationId xmlns:a16="http://schemas.microsoft.com/office/drawing/2014/main" id="{BB5A459E-6CBC-44E2-99B0-6203402BE72F}"/>
+              </a:ext>
+            </a:extLst>
+          </p:cNvPr>
+          <p:cNvSpPr>
+            <a:spLocks noGrp="1"/>
+          </p:cNvSpPr>
+          <p:nvPr>
+            <p:ph type="title"/>
+          </p:nvPr>
+        </p:nvSpPr>
+        <p:spPr/>
+        <p:txBody>
+          <a:bodyPr/>
+          <a:lstStyle/>
+          <a:p>
+            <a:r>
+              <a:rPr lang="en-US" dirty="0"/>
+              <a:t>Repositories</a:t>
+            </a:r>
+            <a:br>
+              <a:rPr lang="en-US" dirty="0"/>
+            </a:br>
+            <a:r>
+              <a:rPr lang="en-US" sz="3600" dirty="0"/>
+              <a:t>Querying / Read Models</a:t>
+            </a:r>
+            <a:endParaRPr lang="en-US" dirty="0"/>
+          </a:p>
+        </p:txBody>
+      </p:sp>
+      <p:sp>
+        <p:nvSpPr>
+          <p:cNvPr id="3" name="Content Placeholder 2">
+            <a:extLst>
+              <a:ext uri="{FF2B5EF4-FFF2-40B4-BE49-F238E27FC236}">
+                <a16:creationId xmlns:a16="http://schemas.microsoft.com/office/drawing/2014/main" id="{DA537E21-1A01-4199-BD9E-3FF6FD74277B}"/>
+              </a:ext>
+            </a:extLst>
+          </p:cNvPr>
+          <p:cNvSpPr>
+            <a:spLocks noGrp="1"/>
+          </p:cNvSpPr>
+          <p:nvPr>
+            <p:ph idx="1"/>
+          </p:nvPr>
+        </p:nvSpPr>
+        <p:spPr/>
+        <p:txBody>
+          <a:bodyPr/>
+          <a:lstStyle/>
+          <a:p>
+            <a:r>
+              <a:rPr lang="en-US" dirty="0"/>
+              <a:t>Read model: A special entity-like class to read data from the database.</a:t>
+            </a:r>
+          </a:p>
+          <a:p>
+            <a:r>
+              <a:rPr lang="en-US" dirty="0"/>
+              <a:t>Minimize read models, do not use for single-entity operations</a:t>
+            </a:r>
+          </a:p>
+          <a:p>
+            <a:r>
+              <a:rPr lang="en-US" dirty="0"/>
+              <a:t>Define &amp; use read models only in performance critical parts</a:t>
+            </a:r>
+          </a:p>
+          <a:p>
+            <a:pPr lvl="1"/>
+            <a:r>
+              <a:rPr lang="en-US" dirty="0"/>
+              <a:t>TODO: Example</a:t>
+            </a:r>
+          </a:p>
+          <a:p>
+            <a:r>
+              <a:rPr lang="en-US" dirty="0"/>
+              <a:t>Do not reuse aggregate roots or entities inside read models</a:t>
+            </a:r>
+          </a:p>
+          <a:p>
+            <a:pPr lvl="1"/>
+            <a:r>
+              <a:rPr lang="en-US" dirty="0"/>
+              <a:t>TODO: Example (</a:t>
+            </a:r>
+            <a:r>
+              <a:rPr lang="en-US" dirty="0" err="1"/>
+              <a:t>UserWithRole</a:t>
+            </a:r>
+            <a:r>
+              <a:rPr lang="en-US" dirty="0"/>
+              <a:t>, </a:t>
+            </a:r>
+            <a:r>
+              <a:rPr lang="en-US" dirty="0" err="1"/>
+              <a:t>SimpleUser</a:t>
+            </a:r>
+            <a:r>
+              <a:rPr lang="en-US" dirty="0"/>
+              <a:t>, </a:t>
+            </a:r>
+            <a:r>
+              <a:rPr lang="en-US" dirty="0" err="1"/>
+              <a:t>DetailedUser</a:t>
+            </a:r>
+            <a:r>
+              <a:rPr lang="en-US" dirty="0"/>
+              <a:t>… etc.)</a:t>
+            </a:r>
+          </a:p>
+        </p:txBody>
+      </p:sp>
+    </p:spTree>
+    <p:extLst>
+      <p:ext uri="{BB962C8B-B14F-4D97-AF65-F5344CB8AC3E}">
+        <p14:creationId xmlns:p14="http://schemas.microsoft.com/office/powerpoint/2010/main" val="171990646"/>
+      </p:ext>
+    </p:extLst>
+  </p:cSld>
+  <p:clrMapOvr>
+    <a:masterClrMapping/>
+  </p:clrMapOvr>
+</p:sld>
+</file>
+
+<file path=ppt/slides/slide23.xml><?xml version="1.0" encoding="utf-8"?>
+<p:sld xmlns:a="http://schemas.openxmlformats.org/drawingml/2006/main" xmlns:r="http://schemas.openxmlformats.org/officeDocument/2006/relationships" xmlns:p="http://schemas.openxmlformats.org/presentationml/2006/main">
+  <p:cSld>
+    <p:spTree>
+      <p:nvGrpSpPr>
+        <p:cNvPr id="1" name=""/>
+        <p:cNvGrpSpPr/>
+        <p:nvPr/>
+      </p:nvGrpSpPr>
+      <p:grpSpPr>
+        <a:xfrm>
+          <a:off x="0" y="0"/>
+          <a:ext cx="0" cy="0"/>
+          <a:chOff x="0" y="0"/>
+          <a:chExt cx="0" cy="0"/>
+        </a:xfrm>
+      </p:grpSpPr>
+      <p:sp>
+        <p:nvSpPr>
+          <p:cNvPr id="2" name="Title 1">
+            <a:extLst>
+              <a:ext uri="{FF2B5EF4-FFF2-40B4-BE49-F238E27FC236}">
+                <a16:creationId xmlns:a16="http://schemas.microsoft.com/office/drawing/2014/main" id="{DCD406CE-839F-4199-B466-22AF20DC69E4}"/>
+              </a:ext>
+            </a:extLst>
+          </p:cNvPr>
+          <p:cNvSpPr>
+            <a:spLocks noGrp="1"/>
+          </p:cNvSpPr>
+          <p:nvPr>
+            <p:ph type="title"/>
+          </p:nvPr>
+        </p:nvSpPr>
+        <p:spPr/>
+        <p:txBody>
+          <a:bodyPr/>
+          <a:lstStyle/>
+          <a:p>
+            <a:endParaRPr lang="en-US" dirty="0"/>
+          </a:p>
+        </p:txBody>
+      </p:sp>
+      <p:sp>
+        <p:nvSpPr>
+          <p:cNvPr id="3" name="Content Placeholder 2">
+            <a:extLst>
+              <a:ext uri="{FF2B5EF4-FFF2-40B4-BE49-F238E27FC236}">
+                <a16:creationId xmlns:a16="http://schemas.microsoft.com/office/drawing/2014/main" id="{4594C836-7ABE-4497-B60B-67B7615CB160}"/>
+              </a:ext>
+            </a:extLst>
+          </p:cNvPr>
+          <p:cNvSpPr>
+            <a:spLocks noGrp="1"/>
+          </p:cNvSpPr>
+          <p:nvPr>
+            <p:ph idx="1"/>
+          </p:nvPr>
+        </p:nvSpPr>
+        <p:spPr/>
+        <p:txBody>
+          <a:bodyPr/>
+          <a:lstStyle/>
+          <a:p>
+            <a:endParaRPr lang="en-US"/>
+          </a:p>
+        </p:txBody>
+      </p:sp>
+    </p:spTree>
+    <p:extLst>
+      <p:ext uri="{BB962C8B-B14F-4D97-AF65-F5344CB8AC3E}">
+        <p14:creationId xmlns:p14="http://schemas.microsoft.com/office/powerpoint/2010/main" val="2340709840"/>
       </p:ext>
     </p:extLst>
   </p:cSld>
@@ -5648,7 +6613,7 @@
           <a:p>
             <a:r>
               <a:rPr lang="en-US" dirty="0"/>
-              <a:t>Saved &amp; Retrieved as a single unit (with sub-collections)</a:t>
+              <a:t>Saved &amp; retrieved as a single unit (with sub-collections)</a:t>
             </a:r>
           </a:p>
         </p:txBody>
@@ -5751,52 +6716,6 @@
           </a:prstGeom>
         </p:spPr>
       </p:pic>
-      <p:sp>
-        <p:nvSpPr>
-          <p:cNvPr id="11" name="Rectangle 10">
-            <a:extLst>
-              <a:ext uri="{FF2B5EF4-FFF2-40B4-BE49-F238E27FC236}">
-                <a16:creationId xmlns:a16="http://schemas.microsoft.com/office/drawing/2014/main" id="{E8C85DFD-D7EA-4056-B3E5-4DC78CEBE1D8}"/>
-              </a:ext>
-            </a:extLst>
-          </p:cNvPr>
-          <p:cNvSpPr/>
-          <p:nvPr/>
-        </p:nvSpPr>
-        <p:spPr>
-          <a:xfrm>
-            <a:off x="7726878" y="1809792"/>
-            <a:ext cx="3443843" cy="830997"/>
-          </a:xfrm>
-          <a:prstGeom prst="rect">
-            <a:avLst/>
-          </a:prstGeom>
-        </p:spPr>
-        <p:txBody>
-          <a:bodyPr wrap="square">
-            <a:spAutoFit/>
-          </a:bodyPr>
-          <a:lstStyle/>
-          <a:p>
-            <a:r>
-              <a:rPr lang="en-US" sz="2400" u="sng" dirty="0">
-                <a:solidFill>
-                  <a:srgbClr val="00B0F0"/>
-                </a:solidFill>
-              </a:rPr>
-              <a:t>PRINCIPLE</a:t>
-            </a:r>
-            <a:r>
-              <a:rPr lang="en-US" sz="2400" dirty="0">
-                <a:solidFill>
-                  <a:srgbClr val="00B0F0"/>
-                </a:solidFill>
-              </a:rPr>
-              <a:t>: save &amp; retrieve as a single unit</a:t>
-            </a:r>
-          </a:p>
-        </p:txBody>
-      </p:sp>
       <p:pic>
         <p:nvPicPr>
           <p:cNvPr id="14" name="Picture 13">

--- a/2019-10-26 Implementing DDD/Presentation.pptx
+++ b/2019-10-26 Implementing DDD/Presentation.pptx
@@ -25,9 +25,19 @@
     <p:sldId id="276" r:id="rId19"/>
     <p:sldId id="277" r:id="rId20"/>
     <p:sldId id="279" r:id="rId21"/>
-    <p:sldId id="280" r:id="rId22"/>
-    <p:sldId id="282" r:id="rId23"/>
-    <p:sldId id="278" r:id="rId24"/>
+    <p:sldId id="284" r:id="rId22"/>
+    <p:sldId id="285" r:id="rId23"/>
+    <p:sldId id="286" r:id="rId24"/>
+    <p:sldId id="287" r:id="rId25"/>
+    <p:sldId id="288" r:id="rId26"/>
+    <p:sldId id="289" r:id="rId27"/>
+    <p:sldId id="280" r:id="rId28"/>
+    <p:sldId id="282" r:id="rId29"/>
+    <p:sldId id="291" r:id="rId30"/>
+    <p:sldId id="278" r:id="rId31"/>
+    <p:sldId id="290" r:id="rId32"/>
+    <p:sldId id="292" r:id="rId33"/>
+    <p:sldId id="293" r:id="rId34"/>
   </p:sldIdLst>
   <p:sldSz cx="12192000" cy="6858000"/>
   <p:notesSz cx="6858000" cy="9144000"/>
@@ -281,7 +291,7 @@
           <a:p>
             <a:fld id="{9ACEA46B-14EE-48F7-9DD7-8BF15640A665}" type="datetimeFigureOut">
               <a:rPr lang="en-US" smtClean="0"/>
-              <a:t>06-Jul-19</a:t>
+              <a:t>07-Jul-19</a:t>
             </a:fld>
             <a:endParaRPr lang="en-US"/>
           </a:p>
@@ -479,7 +489,7 @@
           <a:p>
             <a:fld id="{9ACEA46B-14EE-48F7-9DD7-8BF15640A665}" type="datetimeFigureOut">
               <a:rPr lang="en-US" smtClean="0"/>
-              <a:t>06-Jul-19</a:t>
+              <a:t>07-Jul-19</a:t>
             </a:fld>
             <a:endParaRPr lang="en-US"/>
           </a:p>
@@ -687,7 +697,7 @@
           <a:p>
             <a:fld id="{9ACEA46B-14EE-48F7-9DD7-8BF15640A665}" type="datetimeFigureOut">
               <a:rPr lang="en-US" smtClean="0"/>
-              <a:t>06-Jul-19</a:t>
+              <a:t>07-Jul-19</a:t>
             </a:fld>
             <a:endParaRPr lang="en-US"/>
           </a:p>
@@ -885,7 +895,7 @@
           <a:p>
             <a:fld id="{9ACEA46B-14EE-48F7-9DD7-8BF15640A665}" type="datetimeFigureOut">
               <a:rPr lang="en-US" smtClean="0"/>
-              <a:t>06-Jul-19</a:t>
+              <a:t>07-Jul-19</a:t>
             </a:fld>
             <a:endParaRPr lang="en-US"/>
           </a:p>
@@ -1160,7 +1170,7 @@
           <a:p>
             <a:fld id="{9ACEA46B-14EE-48F7-9DD7-8BF15640A665}" type="datetimeFigureOut">
               <a:rPr lang="en-US" smtClean="0"/>
-              <a:t>06-Jul-19</a:t>
+              <a:t>07-Jul-19</a:t>
             </a:fld>
             <a:endParaRPr lang="en-US"/>
           </a:p>
@@ -1425,7 +1435,7 @@
           <a:p>
             <a:fld id="{9ACEA46B-14EE-48F7-9DD7-8BF15640A665}" type="datetimeFigureOut">
               <a:rPr lang="en-US" smtClean="0"/>
-              <a:t>06-Jul-19</a:t>
+              <a:t>07-Jul-19</a:t>
             </a:fld>
             <a:endParaRPr lang="en-US"/>
           </a:p>
@@ -1837,7 +1847,7 @@
           <a:p>
             <a:fld id="{9ACEA46B-14EE-48F7-9DD7-8BF15640A665}" type="datetimeFigureOut">
               <a:rPr lang="en-US" smtClean="0"/>
-              <a:t>06-Jul-19</a:t>
+              <a:t>07-Jul-19</a:t>
             </a:fld>
             <a:endParaRPr lang="en-US"/>
           </a:p>
@@ -1978,7 +1988,7 @@
           <a:p>
             <a:fld id="{9ACEA46B-14EE-48F7-9DD7-8BF15640A665}" type="datetimeFigureOut">
               <a:rPr lang="en-US" smtClean="0"/>
-              <a:t>06-Jul-19</a:t>
+              <a:t>07-Jul-19</a:t>
             </a:fld>
             <a:endParaRPr lang="en-US"/>
           </a:p>
@@ -2091,7 +2101,7 @@
           <a:p>
             <a:fld id="{9ACEA46B-14EE-48F7-9DD7-8BF15640A665}" type="datetimeFigureOut">
               <a:rPr lang="en-US" smtClean="0"/>
-              <a:t>06-Jul-19</a:t>
+              <a:t>07-Jul-19</a:t>
             </a:fld>
             <a:endParaRPr lang="en-US"/>
           </a:p>
@@ -2402,7 +2412,7 @@
           <a:p>
             <a:fld id="{9ACEA46B-14EE-48F7-9DD7-8BF15640A665}" type="datetimeFigureOut">
               <a:rPr lang="en-US" smtClean="0"/>
-              <a:t>06-Jul-19</a:t>
+              <a:t>07-Jul-19</a:t>
             </a:fld>
             <a:endParaRPr lang="en-US"/>
           </a:p>
@@ -2690,7 +2700,7 @@
           <a:p>
             <a:fld id="{9ACEA46B-14EE-48F7-9DD7-8BF15640A665}" type="datetimeFigureOut">
               <a:rPr lang="en-US" smtClean="0"/>
-              <a:t>06-Jul-19</a:t>
+              <a:t>07-Jul-19</a:t>
             </a:fld>
             <a:endParaRPr lang="en-US"/>
           </a:p>
@@ -2931,7 +2941,7 @@
           <a:p>
             <a:fld id="{9ACEA46B-14EE-48F7-9DD7-8BF15640A665}" type="datetimeFigureOut">
               <a:rPr lang="en-US" smtClean="0"/>
-              <a:t>06-Jul-19</a:t>
+              <a:t>07-Jul-19</a:t>
             </a:fld>
             <a:endParaRPr lang="en-US"/>
           </a:p>
@@ -5606,7 +5616,7 @@
         <p:spPr>
           <a:xfrm>
             <a:off x="8031676" y="1571503"/>
-            <a:ext cx="3893440" cy="2677656"/>
+            <a:ext cx="3893440" cy="2308324"/>
           </a:xfrm>
           <a:prstGeom prst="rect">
             <a:avLst/>
@@ -5645,7 +5655,7 @@
             </a:pPr>
             <a:r>
               <a:rPr lang="en-US" sz="2400" b="1" dirty="0"/>
-              <a:t>Solution: Specification Pattern! (will be explained in the next slides)</a:t>
+              <a:t>Solution: The Specification Pattern!</a:t>
             </a:r>
           </a:p>
         </p:txBody>
@@ -5715,7 +5725,7 @@
           <p:cNvPr id="2" name="Title 1">
             <a:extLst>
               <a:ext uri="{FF2B5EF4-FFF2-40B4-BE49-F238E27FC236}">
-                <a16:creationId xmlns:a16="http://schemas.microsoft.com/office/drawing/2014/main" id="{BDD446CD-C68E-4B34-9354-E8F68D0EB962}"/>
+                <a16:creationId xmlns:a16="http://schemas.microsoft.com/office/drawing/2014/main" id="{482B7F89-5A86-44F9-AC3C-A60EB709F976}"/>
               </a:ext>
             </a:extLst>
           </p:cNvPr>
@@ -5733,25 +5743,89 @@
           <a:p>
             <a:r>
               <a:rPr lang="en-US" dirty="0"/>
-              <a:t>Repositories</a:t>
-            </a:r>
-            <a:br>
-              <a:rPr lang="en-US" dirty="0"/>
-            </a:br>
-            <a:r>
-              <a:rPr lang="en-US" sz="3600" dirty="0"/>
-              <a:t>Querying</a:t>
-            </a:r>
-            <a:endParaRPr lang="en-US" dirty="0"/>
+              <a:t>Specifications</a:t>
+            </a:r>
+          </a:p>
+        </p:txBody>
+      </p:sp>
+      <p:sp>
+        <p:nvSpPr>
+          <p:cNvPr id="3" name="Content Placeholder 2">
+            <a:extLst>
+              <a:ext uri="{FF2B5EF4-FFF2-40B4-BE49-F238E27FC236}">
+                <a16:creationId xmlns:a16="http://schemas.microsoft.com/office/drawing/2014/main" id="{D0003822-2CD9-480D-9F87-FECECEDB978C}"/>
+              </a:ext>
+            </a:extLst>
+          </p:cNvPr>
+          <p:cNvSpPr>
+            <a:spLocks noGrp="1"/>
+          </p:cNvSpPr>
+          <p:nvPr>
+            <p:ph idx="1"/>
+          </p:nvPr>
+        </p:nvSpPr>
+        <p:spPr/>
+        <p:txBody>
+          <a:bodyPr/>
+          <a:lstStyle/>
+          <a:p>
+            <a:r>
+              <a:rPr lang="en-US" dirty="0"/>
+              <a:t>A </a:t>
+            </a:r>
+            <a:r>
+              <a:rPr lang="en-US" b="1" dirty="0">
+                <a:solidFill>
+                  <a:srgbClr val="FF0000"/>
+                </a:solidFill>
+              </a:rPr>
+              <a:t>named</a:t>
+            </a:r>
+            <a:r>
+              <a:rPr lang="en-US" dirty="0"/>
+              <a:t>, </a:t>
+            </a:r>
+            <a:r>
+              <a:rPr lang="en-US" b="1" dirty="0">
+                <a:solidFill>
+                  <a:srgbClr val="FF0000"/>
+                </a:solidFill>
+              </a:rPr>
+              <a:t>reusable </a:t>
+            </a:r>
+            <a:r>
+              <a:rPr lang="en-US" dirty="0"/>
+              <a:t>&amp; </a:t>
+            </a:r>
+            <a:r>
+              <a:rPr lang="en-US" b="1" dirty="0">
+                <a:solidFill>
+                  <a:srgbClr val="FF0000"/>
+                </a:solidFill>
+              </a:rPr>
+              <a:t>combinable</a:t>
+            </a:r>
+            <a:r>
+              <a:rPr lang="en-US" dirty="0"/>
+              <a:t> </a:t>
+            </a:r>
+            <a:r>
+              <a:rPr lang="en-US" b="1" dirty="0"/>
+              <a:t>class</a:t>
+            </a:r>
+            <a:r>
+              <a:rPr lang="en-US" dirty="0"/>
+              <a:t> to filter objects.</a:t>
+            </a:r>
           </a:p>
         </p:txBody>
       </p:sp>
       <p:pic>
         <p:nvPicPr>
-          <p:cNvPr id="3" name="Picture 2">
-            <a:extLst>
-              <a:ext uri="{FF2B5EF4-FFF2-40B4-BE49-F238E27FC236}">
-                <a16:creationId xmlns:a16="http://schemas.microsoft.com/office/drawing/2014/main" id="{6EC51A68-EA70-4F50-9A9F-4D510AE7E3C2}"/>
+          <p:cNvPr id="5" name="Picture 4">
+            <a:extLst>
+              <a:ext uri="{FF2B5EF4-FFF2-40B4-BE49-F238E27FC236}">
+                <a16:creationId xmlns:a16="http://schemas.microsoft.com/office/drawing/2014/main" id="{0FEC85E9-7997-4976-BA41-35FE6116DEB6}"/>
               </a:ext>
             </a:extLst>
           </p:cNvPr>
@@ -5768,94 +5842,18 @@
         </p:blipFill>
         <p:spPr>
           <a:xfrm>
-            <a:off x="838200" y="1659905"/>
-            <a:ext cx="4233925" cy="3022931"/>
+            <a:off x="974024" y="2442792"/>
+            <a:ext cx="6642018" cy="2141640"/>
           </a:xfrm>
           <a:prstGeom prst="rect">
             <a:avLst/>
           </a:prstGeom>
         </p:spPr>
       </p:pic>
-      <p:pic>
-        <p:nvPicPr>
-          <p:cNvPr id="4" name="Picture 3">
-            <a:extLst>
-              <a:ext uri="{FF2B5EF4-FFF2-40B4-BE49-F238E27FC236}">
-                <a16:creationId xmlns:a16="http://schemas.microsoft.com/office/drawing/2014/main" id="{BC4F21F5-B569-4D96-BBEE-735F40DDD2CA}"/>
-              </a:ext>
-            </a:extLst>
-          </p:cNvPr>
-          <p:cNvPicPr>
-            <a:picLocks noChangeAspect="1"/>
-          </p:cNvPicPr>
-          <p:nvPr/>
-        </p:nvPicPr>
-        <p:blipFill>
-          <a:blip r:embed="rId3"/>
-          <a:stretch>
-            <a:fillRect/>
-          </a:stretch>
-        </p:blipFill>
-        <p:spPr>
-          <a:xfrm>
-            <a:off x="6834311" y="2167244"/>
-            <a:ext cx="4931167" cy="1728450"/>
-          </a:xfrm>
-          <a:prstGeom prst="rect">
-            <a:avLst/>
-          </a:prstGeom>
-        </p:spPr>
-      </p:pic>
-      <p:sp>
-        <p:nvSpPr>
-          <p:cNvPr id="6" name="Arrow: Right 5">
-            <a:extLst>
-              <a:ext uri="{FF2B5EF4-FFF2-40B4-BE49-F238E27FC236}">
-                <a16:creationId xmlns:a16="http://schemas.microsoft.com/office/drawing/2014/main" id="{E10BC940-1850-4062-951A-6FA5B17106C4}"/>
-              </a:ext>
-            </a:extLst>
-          </p:cNvPr>
-          <p:cNvSpPr/>
-          <p:nvPr/>
-        </p:nvSpPr>
-        <p:spPr>
-          <a:xfrm>
-            <a:off x="5288478" y="2825683"/>
-            <a:ext cx="1041070" cy="411572"/>
-          </a:xfrm>
-          <a:prstGeom prst="rightArrow">
-            <a:avLst/>
-          </a:prstGeom>
-        </p:spPr>
-        <p:style>
-          <a:lnRef idx="2">
-            <a:schemeClr val="accent2">
-              <a:shade val="50000"/>
-            </a:schemeClr>
-          </a:lnRef>
-          <a:fillRef idx="1">
-            <a:schemeClr val="accent2"/>
-          </a:fillRef>
-          <a:effectRef idx="0">
-            <a:schemeClr val="accent2"/>
-          </a:effectRef>
-          <a:fontRef idx="minor">
-            <a:schemeClr val="lt1"/>
-          </a:fontRef>
-        </p:style>
-        <p:txBody>
-          <a:bodyPr rtlCol="0" anchor="ctr"/>
-          <a:lstStyle/>
-          <a:p>
-            <a:pPr algn="ctr"/>
-            <a:endParaRPr lang="en-US"/>
-          </a:p>
-        </p:txBody>
-      </p:sp>
     </p:spTree>
     <p:extLst>
       <p:ext uri="{BB962C8B-B14F-4D97-AF65-F5344CB8AC3E}">
-        <p14:creationId xmlns:p14="http://schemas.microsoft.com/office/powerpoint/2010/main" val="539640982"/>
+        <p14:creationId xmlns:p14="http://schemas.microsoft.com/office/powerpoint/2010/main" val="121476374"/>
       </p:ext>
     </p:extLst>
   </p:cSld>
@@ -5887,7 +5885,7 @@
           <p:cNvPr id="2" name="Title 1">
             <a:extLst>
               <a:ext uri="{FF2B5EF4-FFF2-40B4-BE49-F238E27FC236}">
-                <a16:creationId xmlns:a16="http://schemas.microsoft.com/office/drawing/2014/main" id="{BB5A459E-6CBC-44E2-99B0-6203402BE72F}"/>
+                <a16:creationId xmlns:a16="http://schemas.microsoft.com/office/drawing/2014/main" id="{482B7F89-5A86-44F9-AC3C-A60EB709F976}"/>
               </a:ext>
             </a:extLst>
           </p:cNvPr>
@@ -5905,16 +5903,8 @@
           <a:p>
             <a:r>
               <a:rPr lang="en-US" dirty="0"/>
-              <a:t>Repositories</a:t>
-            </a:r>
-            <a:br>
-              <a:rPr lang="en-US" dirty="0"/>
-            </a:br>
-            <a:r>
-              <a:rPr lang="en-US" sz="3600" dirty="0"/>
-              <a:t>Querying / Read Models</a:t>
-            </a:r>
-            <a:endParaRPr lang="en-US" dirty="0"/>
+              <a:t>Specifications</a:t>
+            </a:r>
           </a:p>
         </p:txBody>
       </p:sp>
@@ -5923,7 +5913,7 @@
           <p:cNvPr id="3" name="Content Placeholder 2">
             <a:extLst>
               <a:ext uri="{FF2B5EF4-FFF2-40B4-BE49-F238E27FC236}">
-                <a16:creationId xmlns:a16="http://schemas.microsoft.com/office/drawing/2014/main" id="{DA537E21-1A01-4199-BD9E-3FF6FD74277B}"/>
+                <a16:creationId xmlns:a16="http://schemas.microsoft.com/office/drawing/2014/main" id="{D0003822-2CD9-480D-9F87-FECECEDB978C}"/>
               </a:ext>
             </a:extLst>
           </p:cNvPr>
@@ -5941,71 +5931,89 @@
           <a:p>
             <a:r>
               <a:rPr lang="en-US" dirty="0"/>
-              <a:t>Read model: A special entity-like class to read data from the database.</a:t>
-            </a:r>
-          </a:p>
-          <a:p>
-            <a:r>
-              <a:rPr lang="en-US" dirty="0"/>
-              <a:t>Minimize read models, do not use for single-entity operations</a:t>
-            </a:r>
-          </a:p>
-          <a:p>
-            <a:r>
-              <a:rPr lang="en-US" dirty="0"/>
-              <a:t>Define &amp; use read models only in performance critical parts</a:t>
-            </a:r>
-          </a:p>
-          <a:p>
-            <a:pPr lvl="1"/>
-            <a:r>
-              <a:rPr lang="en-US" dirty="0"/>
-              <a:t>TODO: Example</a:t>
-            </a:r>
-          </a:p>
-          <a:p>
-            <a:r>
-              <a:rPr lang="en-US" dirty="0"/>
-              <a:t>Do not reuse aggregate roots or entities inside read models</a:t>
-            </a:r>
-          </a:p>
-          <a:p>
-            <a:pPr lvl="1"/>
-            <a:r>
-              <a:rPr lang="en-US" dirty="0"/>
-              <a:t>TODO: Example (</a:t>
-            </a:r>
-            <a:r>
-              <a:rPr lang="en-US" dirty="0" err="1"/>
-              <a:t>UserWithRole</a:t>
+              <a:t>A </a:t>
+            </a:r>
+            <a:r>
+              <a:rPr lang="en-US" b="1" dirty="0">
+                <a:solidFill>
+                  <a:srgbClr val="FF0000"/>
+                </a:solidFill>
+              </a:rPr>
+              <a:t>named</a:t>
             </a:r>
             <a:r>
               <a:rPr lang="en-US" dirty="0"/>
               <a:t>, </a:t>
             </a:r>
             <a:r>
-              <a:rPr lang="en-US" dirty="0" err="1"/>
-              <a:t>SimpleUser</a:t>
-            </a:r>
-            <a:r>
-              <a:rPr lang="en-US" dirty="0"/>
-              <a:t>, </a:t>
-            </a:r>
-            <a:r>
-              <a:rPr lang="en-US" dirty="0" err="1"/>
-              <a:t>DetailedUser</a:t>
-            </a:r>
-            <a:r>
-              <a:rPr lang="en-US" dirty="0"/>
-              <a:t>… etc.)</a:t>
-            </a:r>
-          </a:p>
-        </p:txBody>
-      </p:sp>
+              <a:rPr lang="en-US" b="1" dirty="0">
+                <a:solidFill>
+                  <a:srgbClr val="FF0000"/>
+                </a:solidFill>
+              </a:rPr>
+              <a:t>reusable </a:t>
+            </a:r>
+            <a:r>
+              <a:rPr lang="en-US" dirty="0"/>
+              <a:t>&amp; </a:t>
+            </a:r>
+            <a:r>
+              <a:rPr lang="en-US" b="1" dirty="0">
+                <a:solidFill>
+                  <a:srgbClr val="FF0000"/>
+                </a:solidFill>
+              </a:rPr>
+              <a:t>combinable</a:t>
+            </a:r>
+            <a:r>
+              <a:rPr lang="en-US" dirty="0"/>
+              <a:t> </a:t>
+            </a:r>
+            <a:r>
+              <a:rPr lang="en-US" b="1" dirty="0"/>
+              <a:t>class</a:t>
+            </a:r>
+            <a:r>
+              <a:rPr lang="en-US" dirty="0"/>
+              <a:t> to filter objects.</a:t>
+            </a:r>
+          </a:p>
+        </p:txBody>
+      </p:sp>
+      <p:pic>
+        <p:nvPicPr>
+          <p:cNvPr id="4" name="Picture 3">
+            <a:extLst>
+              <a:ext uri="{FF2B5EF4-FFF2-40B4-BE49-F238E27FC236}">
+                <a16:creationId xmlns:a16="http://schemas.microsoft.com/office/drawing/2014/main" id="{257E6FB4-FEA1-4DEF-9298-D30447388E27}"/>
+              </a:ext>
+            </a:extLst>
+          </p:cNvPr>
+          <p:cNvPicPr>
+            <a:picLocks noChangeAspect="1"/>
+          </p:cNvPicPr>
+          <p:nvPr/>
+        </p:nvPicPr>
+        <p:blipFill>
+          <a:blip r:embed="rId2"/>
+          <a:stretch>
+            <a:fillRect/>
+          </a:stretch>
+        </p:blipFill>
+        <p:spPr>
+          <a:xfrm>
+            <a:off x="1060862" y="2327358"/>
+            <a:ext cx="10656125" cy="3883965"/>
+          </a:xfrm>
+          <a:prstGeom prst="rect">
+            <a:avLst/>
+          </a:prstGeom>
+        </p:spPr>
+      </p:pic>
     </p:spTree>
     <p:extLst>
       <p:ext uri="{BB962C8B-B14F-4D97-AF65-F5344CB8AC3E}">
-        <p14:creationId xmlns:p14="http://schemas.microsoft.com/office/powerpoint/2010/main" val="171990646"/>
+        <p14:creationId xmlns:p14="http://schemas.microsoft.com/office/powerpoint/2010/main" val="3507093508"/>
       </p:ext>
     </p:extLst>
   </p:cSld>
@@ -6037,7 +6045,7 @@
           <p:cNvPr id="2" name="Title 1">
             <a:extLst>
               <a:ext uri="{FF2B5EF4-FFF2-40B4-BE49-F238E27FC236}">
-                <a16:creationId xmlns:a16="http://schemas.microsoft.com/office/drawing/2014/main" id="{DCD406CE-839F-4199-B466-22AF20DC69E4}"/>
+                <a16:creationId xmlns:a16="http://schemas.microsoft.com/office/drawing/2014/main" id="{3B24E74A-4EDA-4F58-9D20-DA47DE6A64C0}"/>
               </a:ext>
             </a:extLst>
           </p:cNvPr>
@@ -6053,39 +6061,926 @@
           <a:bodyPr/>
           <a:lstStyle/>
           <a:p>
+            <a:r>
+              <a:rPr lang="en-US" dirty="0"/>
+              <a:t>Specifications</a:t>
+            </a:r>
+            <a:br>
+              <a:rPr lang="en-US" dirty="0"/>
+            </a:br>
+            <a:r>
+              <a:rPr lang="en-US" sz="3600" dirty="0"/>
+              <a:t>Define a specification</a:t>
+            </a:r>
             <a:endParaRPr lang="en-US" dirty="0"/>
           </a:p>
         </p:txBody>
       </p:sp>
-      <p:sp>
-        <p:nvSpPr>
-          <p:cNvPr id="3" name="Content Placeholder 2">
-            <a:extLst>
-              <a:ext uri="{FF2B5EF4-FFF2-40B4-BE49-F238E27FC236}">
-                <a16:creationId xmlns:a16="http://schemas.microsoft.com/office/drawing/2014/main" id="{4594C836-7ABE-4497-B60B-67B7615CB160}"/>
-              </a:ext>
-            </a:extLst>
-          </p:cNvPr>
-          <p:cNvSpPr>
-            <a:spLocks noGrp="1"/>
-          </p:cNvSpPr>
+      <p:pic>
+        <p:nvPicPr>
+          <p:cNvPr id="4" name="Content Placeholder 3">
+            <a:extLst>
+              <a:ext uri="{FF2B5EF4-FFF2-40B4-BE49-F238E27FC236}">
+                <a16:creationId xmlns:a16="http://schemas.microsoft.com/office/drawing/2014/main" id="{04C81BE2-318B-4B17-8F44-D0B05CADE0A5}"/>
+              </a:ext>
+            </a:extLst>
+          </p:cNvPr>
+          <p:cNvPicPr>
+            <a:picLocks noGrp="1" noChangeAspect="1"/>
+          </p:cNvPicPr>
           <p:nvPr>
             <p:ph idx="1"/>
           </p:nvPr>
-        </p:nvSpPr>
-        <p:spPr/>
-        <p:txBody>
-          <a:bodyPr/>
-          <a:lstStyle/>
-          <a:p>
-            <a:endParaRPr lang="en-US"/>
-          </a:p>
-        </p:txBody>
-      </p:sp>
+        </p:nvPicPr>
+        <p:blipFill>
+          <a:blip r:embed="rId2"/>
+          <a:stretch>
+            <a:fillRect/>
+          </a:stretch>
+        </p:blipFill>
+        <p:spPr>
+          <a:xfrm>
+            <a:off x="838200" y="1770207"/>
+            <a:ext cx="7837129" cy="4351338"/>
+          </a:xfrm>
+          <a:prstGeom prst="rect">
+            <a:avLst/>
+          </a:prstGeom>
+        </p:spPr>
+      </p:pic>
     </p:spTree>
     <p:extLst>
       <p:ext uri="{BB962C8B-B14F-4D97-AF65-F5344CB8AC3E}">
-        <p14:creationId xmlns:p14="http://schemas.microsoft.com/office/powerpoint/2010/main" val="2340709840"/>
+        <p14:creationId xmlns:p14="http://schemas.microsoft.com/office/powerpoint/2010/main" val="1947867654"/>
+      </p:ext>
+    </p:extLst>
+  </p:cSld>
+  <p:clrMapOvr>
+    <a:masterClrMapping/>
+  </p:clrMapOvr>
+</p:sld>
+</file>
+
+<file path=ppt/slides/slide24.xml><?xml version="1.0" encoding="utf-8"?>
+<p:sld xmlns:a="http://schemas.openxmlformats.org/drawingml/2006/main" xmlns:r="http://schemas.openxmlformats.org/officeDocument/2006/relationships" xmlns:p="http://schemas.openxmlformats.org/presentationml/2006/main">
+  <p:cSld>
+    <p:spTree>
+      <p:nvGrpSpPr>
+        <p:cNvPr id="1" name=""/>
+        <p:cNvGrpSpPr/>
+        <p:nvPr/>
+      </p:nvGrpSpPr>
+      <p:grpSpPr>
+        <a:xfrm>
+          <a:off x="0" y="0"/>
+          <a:ext cx="0" cy="0"/>
+          <a:chOff x="0" y="0"/>
+          <a:chExt cx="0" cy="0"/>
+        </a:xfrm>
+      </p:grpSpPr>
+      <p:sp>
+        <p:nvSpPr>
+          <p:cNvPr id="2" name="Title 1">
+            <a:extLst>
+              <a:ext uri="{FF2B5EF4-FFF2-40B4-BE49-F238E27FC236}">
+                <a16:creationId xmlns:a16="http://schemas.microsoft.com/office/drawing/2014/main" id="{3B24E74A-4EDA-4F58-9D20-DA47DE6A64C0}"/>
+              </a:ext>
+            </a:extLst>
+          </p:cNvPr>
+          <p:cNvSpPr>
+            <a:spLocks noGrp="1"/>
+          </p:cNvSpPr>
+          <p:nvPr>
+            <p:ph type="title"/>
+          </p:nvPr>
+        </p:nvSpPr>
+        <p:spPr/>
+        <p:txBody>
+          <a:bodyPr/>
+          <a:lstStyle/>
+          <a:p>
+            <a:r>
+              <a:rPr lang="en-US" dirty="0"/>
+              <a:t>Specifications</a:t>
+            </a:r>
+            <a:br>
+              <a:rPr lang="en-US" dirty="0"/>
+            </a:br>
+            <a:r>
+              <a:rPr lang="en-US" sz="3600" dirty="0"/>
+              <a:t>Use the specification</a:t>
+            </a:r>
+            <a:endParaRPr lang="en-US" dirty="0"/>
+          </a:p>
+        </p:txBody>
+      </p:sp>
+      <p:pic>
+        <p:nvPicPr>
+          <p:cNvPr id="6" name="Picture 5">
+            <a:extLst>
+              <a:ext uri="{FF2B5EF4-FFF2-40B4-BE49-F238E27FC236}">
+                <a16:creationId xmlns:a16="http://schemas.microsoft.com/office/drawing/2014/main" id="{0FE0AC01-C084-42C9-9001-DD9BB9A5EE47}"/>
+              </a:ext>
+            </a:extLst>
+          </p:cNvPr>
+          <p:cNvPicPr>
+            <a:picLocks noChangeAspect="1"/>
+          </p:cNvPicPr>
+          <p:nvPr/>
+        </p:nvPicPr>
+        <p:blipFill>
+          <a:blip r:embed="rId2"/>
+          <a:stretch>
+            <a:fillRect/>
+          </a:stretch>
+        </p:blipFill>
+        <p:spPr>
+          <a:xfrm>
+            <a:off x="838200" y="1825625"/>
+            <a:ext cx="5257800" cy="969271"/>
+          </a:xfrm>
+          <a:prstGeom prst="rect">
+            <a:avLst/>
+          </a:prstGeom>
+        </p:spPr>
+      </p:pic>
+      <p:pic>
+        <p:nvPicPr>
+          <p:cNvPr id="7" name="Picture 6">
+            <a:extLst>
+              <a:ext uri="{FF2B5EF4-FFF2-40B4-BE49-F238E27FC236}">
+                <a16:creationId xmlns:a16="http://schemas.microsoft.com/office/drawing/2014/main" id="{D886A22A-483B-4831-A628-B510B746FACC}"/>
+              </a:ext>
+            </a:extLst>
+          </p:cNvPr>
+          <p:cNvPicPr>
+            <a:picLocks noChangeAspect="1"/>
+          </p:cNvPicPr>
+          <p:nvPr/>
+        </p:nvPicPr>
+        <p:blipFill>
+          <a:blip r:embed="rId3"/>
+          <a:stretch>
+            <a:fillRect/>
+          </a:stretch>
+        </p:blipFill>
+        <p:spPr>
+          <a:xfrm>
+            <a:off x="838200" y="2794896"/>
+            <a:ext cx="7727868" cy="2572374"/>
+          </a:xfrm>
+          <a:prstGeom prst="rect">
+            <a:avLst/>
+          </a:prstGeom>
+        </p:spPr>
+      </p:pic>
+      <p:pic>
+        <p:nvPicPr>
+          <p:cNvPr id="8" name="Picture 7">
+            <a:extLst>
+              <a:ext uri="{FF2B5EF4-FFF2-40B4-BE49-F238E27FC236}">
+                <a16:creationId xmlns:a16="http://schemas.microsoft.com/office/drawing/2014/main" id="{C9FD1C11-869D-4780-9CFC-D3AE1539E6BB}"/>
+              </a:ext>
+            </a:extLst>
+          </p:cNvPr>
+          <p:cNvPicPr>
+            <a:picLocks noChangeAspect="1"/>
+          </p:cNvPicPr>
+          <p:nvPr/>
+        </p:nvPicPr>
+        <p:blipFill>
+          <a:blip r:embed="rId4"/>
+          <a:stretch>
+            <a:fillRect/>
+          </a:stretch>
+        </p:blipFill>
+        <p:spPr>
+          <a:xfrm>
+            <a:off x="838200" y="5421727"/>
+            <a:ext cx="5642882" cy="1001919"/>
+          </a:xfrm>
+          <a:prstGeom prst="rect">
+            <a:avLst/>
+          </a:prstGeom>
+        </p:spPr>
+      </p:pic>
+    </p:spTree>
+    <p:extLst>
+      <p:ext uri="{BB962C8B-B14F-4D97-AF65-F5344CB8AC3E}">
+        <p14:creationId xmlns:p14="http://schemas.microsoft.com/office/powerpoint/2010/main" val="2980318803"/>
+      </p:ext>
+    </p:extLst>
+  </p:cSld>
+  <p:clrMapOvr>
+    <a:masterClrMapping/>
+  </p:clrMapOvr>
+</p:sld>
+</file>
+
+<file path=ppt/slides/slide25.xml><?xml version="1.0" encoding="utf-8"?>
+<p:sld xmlns:a="http://schemas.openxmlformats.org/drawingml/2006/main" xmlns:r="http://schemas.openxmlformats.org/officeDocument/2006/relationships" xmlns:p="http://schemas.openxmlformats.org/presentationml/2006/main">
+  <p:cSld>
+    <p:spTree>
+      <p:nvGrpSpPr>
+        <p:cNvPr id="1" name=""/>
+        <p:cNvGrpSpPr/>
+        <p:nvPr/>
+      </p:nvGrpSpPr>
+      <p:grpSpPr>
+        <a:xfrm>
+          <a:off x="0" y="0"/>
+          <a:ext cx="0" cy="0"/>
+          <a:chOff x="0" y="0"/>
+          <a:chExt cx="0" cy="0"/>
+        </a:xfrm>
+      </p:grpSpPr>
+      <p:sp>
+        <p:nvSpPr>
+          <p:cNvPr id="2" name="Title 1">
+            <a:extLst>
+              <a:ext uri="{FF2B5EF4-FFF2-40B4-BE49-F238E27FC236}">
+                <a16:creationId xmlns:a16="http://schemas.microsoft.com/office/drawing/2014/main" id="{3B24E74A-4EDA-4F58-9D20-DA47DE6A64C0}"/>
+              </a:ext>
+            </a:extLst>
+          </p:cNvPr>
+          <p:cNvSpPr>
+            <a:spLocks noGrp="1"/>
+          </p:cNvSpPr>
+          <p:nvPr>
+            <p:ph type="title"/>
+          </p:nvPr>
+        </p:nvSpPr>
+        <p:spPr/>
+        <p:txBody>
+          <a:bodyPr/>
+          <a:lstStyle/>
+          <a:p>
+            <a:r>
+              <a:rPr lang="en-US" dirty="0"/>
+              <a:t>Specifications</a:t>
+            </a:r>
+            <a:br>
+              <a:rPr lang="en-US" dirty="0"/>
+            </a:br>
+            <a:r>
+              <a:rPr lang="en-US" sz="3600" dirty="0"/>
+              <a:t>Use the specification</a:t>
+            </a:r>
+            <a:endParaRPr lang="en-US" dirty="0"/>
+          </a:p>
+        </p:txBody>
+      </p:sp>
+      <p:pic>
+        <p:nvPicPr>
+          <p:cNvPr id="5" name="Picture 4">
+            <a:extLst>
+              <a:ext uri="{FF2B5EF4-FFF2-40B4-BE49-F238E27FC236}">
+                <a16:creationId xmlns:a16="http://schemas.microsoft.com/office/drawing/2014/main" id="{BE13C0D9-5BC9-4043-A357-B1CA1A9F2D01}"/>
+              </a:ext>
+            </a:extLst>
+          </p:cNvPr>
+          <p:cNvPicPr>
+            <a:picLocks noChangeAspect="1"/>
+          </p:cNvPicPr>
+          <p:nvPr/>
+        </p:nvPicPr>
+        <p:blipFill>
+          <a:blip r:embed="rId2"/>
+          <a:stretch>
+            <a:fillRect/>
+          </a:stretch>
+        </p:blipFill>
+        <p:spPr>
+          <a:xfrm>
+            <a:off x="247376" y="1832758"/>
+            <a:ext cx="4659138" cy="3982193"/>
+          </a:xfrm>
+          <a:prstGeom prst="rect">
+            <a:avLst/>
+          </a:prstGeom>
+        </p:spPr>
+      </p:pic>
+      <p:pic>
+        <p:nvPicPr>
+          <p:cNvPr id="3" name="Picture 2">
+            <a:extLst>
+              <a:ext uri="{FF2B5EF4-FFF2-40B4-BE49-F238E27FC236}">
+                <a16:creationId xmlns:a16="http://schemas.microsoft.com/office/drawing/2014/main" id="{CC988AFE-84D3-4FE8-A964-05B07B9F3D7F}"/>
+              </a:ext>
+            </a:extLst>
+          </p:cNvPr>
+          <p:cNvPicPr>
+            <a:picLocks noChangeAspect="1"/>
+          </p:cNvPicPr>
+          <p:nvPr/>
+        </p:nvPicPr>
+        <p:blipFill>
+          <a:blip r:embed="rId3"/>
+          <a:stretch>
+            <a:fillRect/>
+          </a:stretch>
+        </p:blipFill>
+        <p:spPr>
+          <a:xfrm>
+            <a:off x="5680165" y="1648831"/>
+            <a:ext cx="6264459" cy="4204842"/>
+          </a:xfrm>
+          <a:prstGeom prst="rect">
+            <a:avLst/>
+          </a:prstGeom>
+        </p:spPr>
+      </p:pic>
+      <p:sp>
+        <p:nvSpPr>
+          <p:cNvPr id="4" name="Arrow: Right 3">
+            <a:extLst>
+              <a:ext uri="{FF2B5EF4-FFF2-40B4-BE49-F238E27FC236}">
+                <a16:creationId xmlns:a16="http://schemas.microsoft.com/office/drawing/2014/main" id="{65E0A82D-CFB7-4801-BC0A-7BBD01CDE9F3}"/>
+              </a:ext>
+            </a:extLst>
+          </p:cNvPr>
+          <p:cNvSpPr/>
+          <p:nvPr/>
+        </p:nvSpPr>
+        <p:spPr>
+          <a:xfrm>
+            <a:off x="4526504" y="4627419"/>
+            <a:ext cx="999481" cy="344384"/>
+          </a:xfrm>
+          <a:prstGeom prst="rightArrow">
+            <a:avLst/>
+          </a:prstGeom>
+        </p:spPr>
+        <p:style>
+          <a:lnRef idx="2">
+            <a:schemeClr val="accent2">
+              <a:shade val="50000"/>
+            </a:schemeClr>
+          </a:lnRef>
+          <a:fillRef idx="1">
+            <a:schemeClr val="accent2"/>
+          </a:fillRef>
+          <a:effectRef idx="0">
+            <a:schemeClr val="accent2"/>
+          </a:effectRef>
+          <a:fontRef idx="minor">
+            <a:schemeClr val="lt1"/>
+          </a:fontRef>
+        </p:style>
+        <p:txBody>
+          <a:bodyPr rtlCol="0" anchor="ctr"/>
+          <a:lstStyle/>
+          <a:p>
+            <a:pPr algn="ctr"/>
+            <a:endParaRPr lang="en-US"/>
+          </a:p>
+        </p:txBody>
+      </p:sp>
+    </p:spTree>
+    <p:extLst>
+      <p:ext uri="{BB962C8B-B14F-4D97-AF65-F5344CB8AC3E}">
+        <p14:creationId xmlns:p14="http://schemas.microsoft.com/office/powerpoint/2010/main" val="2282954860"/>
+      </p:ext>
+    </p:extLst>
+  </p:cSld>
+  <p:clrMapOvr>
+    <a:masterClrMapping/>
+  </p:clrMapOvr>
+</p:sld>
+</file>
+
+<file path=ppt/slides/slide26.xml><?xml version="1.0" encoding="utf-8"?>
+<p:sld xmlns:a="http://schemas.openxmlformats.org/drawingml/2006/main" xmlns:r="http://schemas.openxmlformats.org/officeDocument/2006/relationships" xmlns:p="http://schemas.openxmlformats.org/presentationml/2006/main">
+  <p:cSld>
+    <p:spTree>
+      <p:nvGrpSpPr>
+        <p:cNvPr id="1" name=""/>
+        <p:cNvGrpSpPr/>
+        <p:nvPr/>
+      </p:nvGrpSpPr>
+      <p:grpSpPr>
+        <a:xfrm>
+          <a:off x="0" y="0"/>
+          <a:ext cx="0" cy="0"/>
+          <a:chOff x="0" y="0"/>
+          <a:chExt cx="0" cy="0"/>
+        </a:xfrm>
+      </p:grpSpPr>
+      <p:sp>
+        <p:nvSpPr>
+          <p:cNvPr id="2" name="Title 1">
+            <a:extLst>
+              <a:ext uri="{FF2B5EF4-FFF2-40B4-BE49-F238E27FC236}">
+                <a16:creationId xmlns:a16="http://schemas.microsoft.com/office/drawing/2014/main" id="{8F8B9203-A237-4817-9C8C-856833CB6AC7}"/>
+              </a:ext>
+            </a:extLst>
+          </p:cNvPr>
+          <p:cNvSpPr>
+            <a:spLocks noGrp="1"/>
+          </p:cNvSpPr>
+          <p:nvPr>
+            <p:ph type="title"/>
+          </p:nvPr>
+        </p:nvSpPr>
+        <p:spPr/>
+        <p:txBody>
+          <a:bodyPr/>
+          <a:lstStyle/>
+          <a:p>
+            <a:r>
+              <a:rPr lang="en-US" dirty="0"/>
+              <a:t>Specifications</a:t>
+            </a:r>
+            <a:br>
+              <a:rPr lang="en-US" dirty="0"/>
+            </a:br>
+            <a:r>
+              <a:rPr lang="en-US" sz="3600" dirty="0"/>
+              <a:t>Combining Specifications</a:t>
+            </a:r>
+          </a:p>
+        </p:txBody>
+      </p:sp>
+      <p:pic>
+        <p:nvPicPr>
+          <p:cNvPr id="4" name="Picture 3">
+            <a:extLst>
+              <a:ext uri="{FF2B5EF4-FFF2-40B4-BE49-F238E27FC236}">
+                <a16:creationId xmlns:a16="http://schemas.microsoft.com/office/drawing/2014/main" id="{F41A24F7-F0FF-4E0E-97AC-BB8766EBBD2C}"/>
+              </a:ext>
+            </a:extLst>
+          </p:cNvPr>
+          <p:cNvPicPr>
+            <a:picLocks noChangeAspect="1"/>
+          </p:cNvPicPr>
+          <p:nvPr/>
+        </p:nvPicPr>
+        <p:blipFill>
+          <a:blip r:embed="rId2"/>
+          <a:stretch>
+            <a:fillRect/>
+          </a:stretch>
+        </p:blipFill>
+        <p:spPr>
+          <a:xfrm>
+            <a:off x="838200" y="1690688"/>
+            <a:ext cx="5340927" cy="2808533"/>
+          </a:xfrm>
+          <a:prstGeom prst="rect">
+            <a:avLst/>
+          </a:prstGeom>
+        </p:spPr>
+      </p:pic>
+      <p:pic>
+        <p:nvPicPr>
+          <p:cNvPr id="5" name="Picture 4">
+            <a:extLst>
+              <a:ext uri="{FF2B5EF4-FFF2-40B4-BE49-F238E27FC236}">
+                <a16:creationId xmlns:a16="http://schemas.microsoft.com/office/drawing/2014/main" id="{CD4C95D5-C36D-4E74-92F3-B6E562CE7D2D}"/>
+              </a:ext>
+            </a:extLst>
+          </p:cNvPr>
+          <p:cNvPicPr>
+            <a:picLocks noChangeAspect="1"/>
+          </p:cNvPicPr>
+          <p:nvPr/>
+        </p:nvPicPr>
+        <p:blipFill>
+          <a:blip r:embed="rId3"/>
+          <a:stretch>
+            <a:fillRect/>
+          </a:stretch>
+        </p:blipFill>
+        <p:spPr>
+          <a:xfrm>
+            <a:off x="838200" y="4617349"/>
+            <a:ext cx="6227467" cy="1811159"/>
+          </a:xfrm>
+          <a:prstGeom prst="rect">
+            <a:avLst/>
+          </a:prstGeom>
+        </p:spPr>
+      </p:pic>
+    </p:spTree>
+    <p:extLst>
+      <p:ext uri="{BB962C8B-B14F-4D97-AF65-F5344CB8AC3E}">
+        <p14:creationId xmlns:p14="http://schemas.microsoft.com/office/powerpoint/2010/main" val="3524833557"/>
+      </p:ext>
+    </p:extLst>
+  </p:cSld>
+  <p:clrMapOvr>
+    <a:masterClrMapping/>
+  </p:clrMapOvr>
+</p:sld>
+</file>
+
+<file path=ppt/slides/slide27.xml><?xml version="1.0" encoding="utf-8"?>
+<p:sld xmlns:a="http://schemas.openxmlformats.org/drawingml/2006/main" xmlns:r="http://schemas.openxmlformats.org/officeDocument/2006/relationships" xmlns:p="http://schemas.openxmlformats.org/presentationml/2006/main">
+  <p:cSld>
+    <p:spTree>
+      <p:nvGrpSpPr>
+        <p:cNvPr id="1" name=""/>
+        <p:cNvGrpSpPr/>
+        <p:nvPr/>
+      </p:nvGrpSpPr>
+      <p:grpSpPr>
+        <a:xfrm>
+          <a:off x="0" y="0"/>
+          <a:ext cx="0" cy="0"/>
+          <a:chOff x="0" y="0"/>
+          <a:chExt cx="0" cy="0"/>
+        </a:xfrm>
+      </p:grpSpPr>
+      <p:sp>
+        <p:nvSpPr>
+          <p:cNvPr id="2" name="Title 1">
+            <a:extLst>
+              <a:ext uri="{FF2B5EF4-FFF2-40B4-BE49-F238E27FC236}">
+                <a16:creationId xmlns:a16="http://schemas.microsoft.com/office/drawing/2014/main" id="{BDD446CD-C68E-4B34-9354-E8F68D0EB962}"/>
+              </a:ext>
+            </a:extLst>
+          </p:cNvPr>
+          <p:cNvSpPr>
+            <a:spLocks noGrp="1"/>
+          </p:cNvSpPr>
+          <p:nvPr>
+            <p:ph type="title"/>
+          </p:nvPr>
+        </p:nvSpPr>
+        <p:spPr/>
+        <p:txBody>
+          <a:bodyPr/>
+          <a:lstStyle/>
+          <a:p>
+            <a:r>
+              <a:rPr lang="en-US" dirty="0"/>
+              <a:t>Repositories</a:t>
+            </a:r>
+            <a:br>
+              <a:rPr lang="en-US" dirty="0"/>
+            </a:br>
+            <a:r>
+              <a:rPr lang="en-US" sz="3600" dirty="0"/>
+              <a:t>Querying</a:t>
+            </a:r>
+            <a:endParaRPr lang="en-US" dirty="0"/>
+          </a:p>
+        </p:txBody>
+      </p:sp>
+      <p:pic>
+        <p:nvPicPr>
+          <p:cNvPr id="3" name="Picture 2">
+            <a:extLst>
+              <a:ext uri="{FF2B5EF4-FFF2-40B4-BE49-F238E27FC236}">
+                <a16:creationId xmlns:a16="http://schemas.microsoft.com/office/drawing/2014/main" id="{6EC51A68-EA70-4F50-9A9F-4D510AE7E3C2}"/>
+              </a:ext>
+            </a:extLst>
+          </p:cNvPr>
+          <p:cNvPicPr>
+            <a:picLocks noChangeAspect="1"/>
+          </p:cNvPicPr>
+          <p:nvPr/>
+        </p:nvPicPr>
+        <p:blipFill>
+          <a:blip r:embed="rId2"/>
+          <a:stretch>
+            <a:fillRect/>
+          </a:stretch>
+        </p:blipFill>
+        <p:spPr>
+          <a:xfrm>
+            <a:off x="838200" y="1659905"/>
+            <a:ext cx="4233925" cy="3022931"/>
+          </a:xfrm>
+          <a:prstGeom prst="rect">
+            <a:avLst/>
+          </a:prstGeom>
+        </p:spPr>
+      </p:pic>
+      <p:pic>
+        <p:nvPicPr>
+          <p:cNvPr id="4" name="Picture 3">
+            <a:extLst>
+              <a:ext uri="{FF2B5EF4-FFF2-40B4-BE49-F238E27FC236}">
+                <a16:creationId xmlns:a16="http://schemas.microsoft.com/office/drawing/2014/main" id="{BC4F21F5-B569-4D96-BBEE-735F40DDD2CA}"/>
+              </a:ext>
+            </a:extLst>
+          </p:cNvPr>
+          <p:cNvPicPr>
+            <a:picLocks noChangeAspect="1"/>
+          </p:cNvPicPr>
+          <p:nvPr/>
+        </p:nvPicPr>
+        <p:blipFill>
+          <a:blip r:embed="rId3"/>
+          <a:stretch>
+            <a:fillRect/>
+          </a:stretch>
+        </p:blipFill>
+        <p:spPr>
+          <a:xfrm>
+            <a:off x="6834311" y="2167244"/>
+            <a:ext cx="4931167" cy="1728450"/>
+          </a:xfrm>
+          <a:prstGeom prst="rect">
+            <a:avLst/>
+          </a:prstGeom>
+        </p:spPr>
+      </p:pic>
+      <p:sp>
+        <p:nvSpPr>
+          <p:cNvPr id="6" name="Arrow: Right 5">
+            <a:extLst>
+              <a:ext uri="{FF2B5EF4-FFF2-40B4-BE49-F238E27FC236}">
+                <a16:creationId xmlns:a16="http://schemas.microsoft.com/office/drawing/2014/main" id="{E10BC940-1850-4062-951A-6FA5B17106C4}"/>
+              </a:ext>
+            </a:extLst>
+          </p:cNvPr>
+          <p:cNvSpPr/>
+          <p:nvPr/>
+        </p:nvSpPr>
+        <p:spPr>
+          <a:xfrm>
+            <a:off x="5288478" y="2825683"/>
+            <a:ext cx="1041070" cy="411572"/>
+          </a:xfrm>
+          <a:prstGeom prst="rightArrow">
+            <a:avLst/>
+          </a:prstGeom>
+        </p:spPr>
+        <p:style>
+          <a:lnRef idx="2">
+            <a:schemeClr val="accent2">
+              <a:shade val="50000"/>
+            </a:schemeClr>
+          </a:lnRef>
+          <a:fillRef idx="1">
+            <a:schemeClr val="accent2"/>
+          </a:fillRef>
+          <a:effectRef idx="0">
+            <a:schemeClr val="accent2"/>
+          </a:effectRef>
+          <a:fontRef idx="minor">
+            <a:schemeClr val="lt1"/>
+          </a:fontRef>
+        </p:style>
+        <p:txBody>
+          <a:bodyPr rtlCol="0" anchor="ctr"/>
+          <a:lstStyle/>
+          <a:p>
+            <a:pPr algn="ctr"/>
+            <a:endParaRPr lang="en-US"/>
+          </a:p>
+        </p:txBody>
+      </p:sp>
+    </p:spTree>
+    <p:extLst>
+      <p:ext uri="{BB962C8B-B14F-4D97-AF65-F5344CB8AC3E}">
+        <p14:creationId xmlns:p14="http://schemas.microsoft.com/office/powerpoint/2010/main" val="539640982"/>
+      </p:ext>
+    </p:extLst>
+  </p:cSld>
+  <p:clrMapOvr>
+    <a:masterClrMapping/>
+  </p:clrMapOvr>
+</p:sld>
+</file>
+
+<file path=ppt/slides/slide28.xml><?xml version="1.0" encoding="utf-8"?>
+<p:sld xmlns:a="http://schemas.openxmlformats.org/drawingml/2006/main" xmlns:r="http://schemas.openxmlformats.org/officeDocument/2006/relationships" xmlns:p="http://schemas.openxmlformats.org/presentationml/2006/main">
+  <p:cSld>
+    <p:spTree>
+      <p:nvGrpSpPr>
+        <p:cNvPr id="1" name=""/>
+        <p:cNvGrpSpPr/>
+        <p:nvPr/>
+      </p:nvGrpSpPr>
+      <p:grpSpPr>
+        <a:xfrm>
+          <a:off x="0" y="0"/>
+          <a:ext cx="0" cy="0"/>
+          <a:chOff x="0" y="0"/>
+          <a:chExt cx="0" cy="0"/>
+        </a:xfrm>
+      </p:grpSpPr>
+      <p:sp>
+        <p:nvSpPr>
+          <p:cNvPr id="2" name="Title 1">
+            <a:extLst>
+              <a:ext uri="{FF2B5EF4-FFF2-40B4-BE49-F238E27FC236}">
+                <a16:creationId xmlns:a16="http://schemas.microsoft.com/office/drawing/2014/main" id="{BB5A459E-6CBC-44E2-99B0-6203402BE72F}"/>
+              </a:ext>
+            </a:extLst>
+          </p:cNvPr>
+          <p:cNvSpPr>
+            <a:spLocks noGrp="1"/>
+          </p:cNvSpPr>
+          <p:nvPr>
+            <p:ph type="title"/>
+          </p:nvPr>
+        </p:nvSpPr>
+        <p:spPr/>
+        <p:txBody>
+          <a:bodyPr/>
+          <a:lstStyle/>
+          <a:p>
+            <a:r>
+              <a:rPr lang="en-US" dirty="0"/>
+              <a:t>Repositories</a:t>
+            </a:r>
+            <a:br>
+              <a:rPr lang="en-US" dirty="0"/>
+            </a:br>
+            <a:r>
+              <a:rPr lang="en-US" sz="3600" dirty="0"/>
+              <a:t>Querying / Read Models</a:t>
+            </a:r>
+            <a:endParaRPr lang="en-US" dirty="0"/>
+          </a:p>
+        </p:txBody>
+      </p:sp>
+      <p:sp>
+        <p:nvSpPr>
+          <p:cNvPr id="3" name="Content Placeholder 2">
+            <a:extLst>
+              <a:ext uri="{FF2B5EF4-FFF2-40B4-BE49-F238E27FC236}">
+                <a16:creationId xmlns:a16="http://schemas.microsoft.com/office/drawing/2014/main" id="{DA537E21-1A01-4199-BD9E-3FF6FD74277B}"/>
+              </a:ext>
+            </a:extLst>
+          </p:cNvPr>
+          <p:cNvSpPr>
+            <a:spLocks noGrp="1"/>
+          </p:cNvSpPr>
+          <p:nvPr>
+            <p:ph idx="1"/>
+          </p:nvPr>
+        </p:nvSpPr>
+        <p:spPr/>
+        <p:txBody>
+          <a:bodyPr/>
+          <a:lstStyle/>
+          <a:p>
+            <a:r>
+              <a:rPr lang="en-US" dirty="0"/>
+              <a:t>Read model: A special entity-like class to read data from the database.</a:t>
+            </a:r>
+          </a:p>
+          <a:p>
+            <a:r>
+              <a:rPr lang="en-US" dirty="0"/>
+              <a:t>Minimize read models, do not use for single-entity operations</a:t>
+            </a:r>
+          </a:p>
+          <a:p>
+            <a:r>
+              <a:rPr lang="en-US" dirty="0"/>
+              <a:t>Define &amp; use read models only in performance critical parts</a:t>
+            </a:r>
+          </a:p>
+          <a:p>
+            <a:pPr lvl="1"/>
+            <a:r>
+              <a:rPr lang="en-US" dirty="0"/>
+              <a:t>TODO: Example</a:t>
+            </a:r>
+          </a:p>
+          <a:p>
+            <a:r>
+              <a:rPr lang="en-US" dirty="0"/>
+              <a:t>Do not reuse aggregate roots or entities inside read models</a:t>
+            </a:r>
+          </a:p>
+          <a:p>
+            <a:pPr lvl="1"/>
+            <a:r>
+              <a:rPr lang="en-US" dirty="0"/>
+              <a:t>TODO: Example (</a:t>
+            </a:r>
+            <a:r>
+              <a:rPr lang="en-US" dirty="0" err="1"/>
+              <a:t>UserWithRole</a:t>
+            </a:r>
+            <a:r>
+              <a:rPr lang="en-US" dirty="0"/>
+              <a:t>, </a:t>
+            </a:r>
+            <a:r>
+              <a:rPr lang="en-US" dirty="0" err="1"/>
+              <a:t>SimpleUser</a:t>
+            </a:r>
+            <a:r>
+              <a:rPr lang="en-US" dirty="0"/>
+              <a:t>, </a:t>
+            </a:r>
+            <a:r>
+              <a:rPr lang="en-US" dirty="0" err="1"/>
+              <a:t>DetailedUser</a:t>
+            </a:r>
+            <a:r>
+              <a:rPr lang="en-US" dirty="0"/>
+              <a:t>… etc.)</a:t>
+            </a:r>
+          </a:p>
+        </p:txBody>
+      </p:sp>
+    </p:spTree>
+    <p:extLst>
+      <p:ext uri="{BB962C8B-B14F-4D97-AF65-F5344CB8AC3E}">
+        <p14:creationId xmlns:p14="http://schemas.microsoft.com/office/powerpoint/2010/main" val="171990646"/>
+      </p:ext>
+    </p:extLst>
+  </p:cSld>
+  <p:clrMapOvr>
+    <a:masterClrMapping/>
+  </p:clrMapOvr>
+</p:sld>
+</file>
+
+<file path=ppt/slides/slide29.xml><?xml version="1.0" encoding="utf-8"?>
+<p:sld xmlns:a="http://schemas.openxmlformats.org/drawingml/2006/main" xmlns:r="http://schemas.openxmlformats.org/officeDocument/2006/relationships" xmlns:p="http://schemas.openxmlformats.org/presentationml/2006/main">
+  <p:cSld>
+    <p:spTree>
+      <p:nvGrpSpPr>
+        <p:cNvPr id="1" name=""/>
+        <p:cNvGrpSpPr/>
+        <p:nvPr/>
+      </p:nvGrpSpPr>
+      <p:grpSpPr>
+        <a:xfrm>
+          <a:off x="0" y="0"/>
+          <a:ext cx="0" cy="0"/>
+          <a:chOff x="0" y="0"/>
+          <a:chExt cx="0" cy="0"/>
+        </a:xfrm>
+      </p:grpSpPr>
+      <p:sp>
+        <p:nvSpPr>
+          <p:cNvPr id="2" name="Title 1">
+            <a:extLst>
+              <a:ext uri="{FF2B5EF4-FFF2-40B4-BE49-F238E27FC236}">
+                <a16:creationId xmlns:a16="http://schemas.microsoft.com/office/drawing/2014/main" id="{341AFAB9-487D-494A-B454-B40FBBEF2BBA}"/>
+              </a:ext>
+            </a:extLst>
+          </p:cNvPr>
+          <p:cNvSpPr>
+            <a:spLocks noGrp="1"/>
+          </p:cNvSpPr>
+          <p:nvPr>
+            <p:ph type="title"/>
+          </p:nvPr>
+        </p:nvSpPr>
+        <p:spPr/>
+        <p:txBody>
+          <a:bodyPr/>
+          <a:lstStyle/>
+          <a:p>
+            <a:r>
+              <a:rPr lang="en-US" dirty="0"/>
+              <a:t>Repositories</a:t>
+            </a:r>
+            <a:br>
+              <a:rPr lang="en-US" dirty="0"/>
+            </a:br>
+            <a:r>
+              <a:rPr lang="en-US" sz="3600" dirty="0"/>
+              <a:t>Querying / Read Models</a:t>
+            </a:r>
+            <a:endParaRPr lang="en-US" dirty="0"/>
+          </a:p>
+        </p:txBody>
+      </p:sp>
+      <p:sp>
+        <p:nvSpPr>
+          <p:cNvPr id="3" name="Content Placeholder 2">
+            <a:extLst>
+              <a:ext uri="{FF2B5EF4-FFF2-40B4-BE49-F238E27FC236}">
+                <a16:creationId xmlns:a16="http://schemas.microsoft.com/office/drawing/2014/main" id="{B3AAAD6C-7AEA-4B69-925F-9A8C3132967A}"/>
+              </a:ext>
+            </a:extLst>
+          </p:cNvPr>
+          <p:cNvSpPr>
+            <a:spLocks noGrp="1"/>
+          </p:cNvSpPr>
+          <p:nvPr>
+            <p:ph idx="1"/>
+          </p:nvPr>
+        </p:nvSpPr>
+        <p:spPr/>
+        <p:txBody>
+          <a:bodyPr/>
+          <a:lstStyle/>
+          <a:p>
+            <a:r>
+              <a:rPr lang="en-US" dirty="0"/>
+              <a:t>TODO…</a:t>
+            </a:r>
+          </a:p>
+        </p:txBody>
+      </p:sp>
+    </p:spTree>
+    <p:extLst>
+      <p:ext uri="{BB962C8B-B14F-4D97-AF65-F5344CB8AC3E}">
+        <p14:creationId xmlns:p14="http://schemas.microsoft.com/office/powerpoint/2010/main" val="2211448094"/>
       </p:ext>
     </p:extLst>
   </p:cSld>
@@ -6174,6 +7069,496 @@
     <p:extLst>
       <p:ext uri="{BB962C8B-B14F-4D97-AF65-F5344CB8AC3E}">
         <p14:creationId xmlns:p14="http://schemas.microsoft.com/office/powerpoint/2010/main" val="4104258784"/>
+      </p:ext>
+    </p:extLst>
+  </p:cSld>
+  <p:clrMapOvr>
+    <a:masterClrMapping/>
+  </p:clrMapOvr>
+</p:sld>
+</file>
+
+<file path=ppt/slides/slide30.xml><?xml version="1.0" encoding="utf-8"?>
+<p:sld xmlns:a="http://schemas.openxmlformats.org/drawingml/2006/main" xmlns:r="http://schemas.openxmlformats.org/officeDocument/2006/relationships" xmlns:p="http://schemas.openxmlformats.org/presentationml/2006/main">
+  <p:cSld>
+    <p:spTree>
+      <p:nvGrpSpPr>
+        <p:cNvPr id="1" name=""/>
+        <p:cNvGrpSpPr/>
+        <p:nvPr/>
+      </p:nvGrpSpPr>
+      <p:grpSpPr>
+        <a:xfrm>
+          <a:off x="0" y="0"/>
+          <a:ext cx="0" cy="0"/>
+          <a:chOff x="0" y="0"/>
+          <a:chExt cx="0" cy="0"/>
+        </a:xfrm>
+      </p:grpSpPr>
+      <p:sp>
+        <p:nvSpPr>
+          <p:cNvPr id="2" name="Title 1">
+            <a:extLst>
+              <a:ext uri="{FF2B5EF4-FFF2-40B4-BE49-F238E27FC236}">
+                <a16:creationId xmlns:a16="http://schemas.microsoft.com/office/drawing/2014/main" id="{DCD406CE-839F-4199-B466-22AF20DC69E4}"/>
+              </a:ext>
+            </a:extLst>
+          </p:cNvPr>
+          <p:cNvSpPr>
+            <a:spLocks noGrp="1"/>
+          </p:cNvSpPr>
+          <p:nvPr>
+            <p:ph type="title"/>
+          </p:nvPr>
+        </p:nvSpPr>
+        <p:spPr/>
+        <p:txBody>
+          <a:bodyPr/>
+          <a:lstStyle/>
+          <a:p>
+            <a:r>
+              <a:rPr lang="en-US" dirty="0"/>
+              <a:t>Domain Services</a:t>
+            </a:r>
+            <a:br>
+              <a:rPr lang="en-US" dirty="0"/>
+            </a:br>
+            <a:r>
+              <a:rPr lang="en-US" sz="3600" dirty="0"/>
+              <a:t>Principles</a:t>
+            </a:r>
+            <a:endParaRPr lang="en-US" dirty="0"/>
+          </a:p>
+        </p:txBody>
+      </p:sp>
+      <p:sp>
+        <p:nvSpPr>
+          <p:cNvPr id="3" name="Content Placeholder 2">
+            <a:extLst>
+              <a:ext uri="{FF2B5EF4-FFF2-40B4-BE49-F238E27FC236}">
+                <a16:creationId xmlns:a16="http://schemas.microsoft.com/office/drawing/2014/main" id="{4594C836-7ABE-4497-B60B-67B7615CB160}"/>
+              </a:ext>
+            </a:extLst>
+          </p:cNvPr>
+          <p:cNvSpPr>
+            <a:spLocks noGrp="1"/>
+          </p:cNvSpPr>
+          <p:nvPr>
+            <p:ph idx="1"/>
+          </p:nvPr>
+        </p:nvSpPr>
+        <p:spPr/>
+        <p:txBody>
+          <a:bodyPr/>
+          <a:lstStyle/>
+          <a:p>
+            <a:r>
+              <a:rPr lang="en-US" dirty="0"/>
+              <a:t>Implements domain logic;</a:t>
+            </a:r>
+          </a:p>
+          <a:p>
+            <a:pPr lvl="1"/>
+            <a:r>
+              <a:rPr lang="en-US" dirty="0"/>
+              <a:t>Depends on </a:t>
+            </a:r>
+            <a:r>
+              <a:rPr lang="en-US" b="1" dirty="0"/>
+              <a:t>services/repositories</a:t>
+            </a:r>
+          </a:p>
+          <a:p>
+            <a:pPr lvl="1"/>
+            <a:r>
+              <a:rPr lang="en-US" dirty="0"/>
+              <a:t>Needs to work with </a:t>
+            </a:r>
+            <a:r>
+              <a:rPr lang="en-US" b="1" dirty="0"/>
+              <a:t>multiple entities</a:t>
+            </a:r>
+            <a:r>
+              <a:rPr lang="en-US" dirty="0"/>
+              <a:t> / entity types</a:t>
+            </a:r>
+          </a:p>
+          <a:p>
+            <a:r>
+              <a:rPr lang="en-US" dirty="0"/>
+              <a:t>Create for </a:t>
+            </a:r>
+            <a:r>
+              <a:rPr lang="en-US" b="1" dirty="0"/>
+              <a:t>aggregate roots</a:t>
+            </a:r>
+            <a:r>
+              <a:rPr lang="en-US" dirty="0"/>
+              <a:t>, not for entities</a:t>
+            </a:r>
+          </a:p>
+          <a:p>
+            <a:r>
+              <a:rPr lang="en-US" dirty="0"/>
+              <a:t>Work with </a:t>
+            </a:r>
+            <a:r>
+              <a:rPr lang="en-US" b="1" dirty="0"/>
+              <a:t>domain objects</a:t>
+            </a:r>
+            <a:r>
+              <a:rPr lang="en-US" dirty="0"/>
+              <a:t>, not DTOs</a:t>
+            </a:r>
+          </a:p>
+        </p:txBody>
+      </p:sp>
+    </p:spTree>
+    <p:extLst>
+      <p:ext uri="{BB962C8B-B14F-4D97-AF65-F5344CB8AC3E}">
+        <p14:creationId xmlns:p14="http://schemas.microsoft.com/office/powerpoint/2010/main" val="2340709840"/>
+      </p:ext>
+    </p:extLst>
+  </p:cSld>
+  <p:clrMapOvr>
+    <a:masterClrMapping/>
+  </p:clrMapOvr>
+</p:sld>
+</file>
+
+<file path=ppt/slides/slide31.xml><?xml version="1.0" encoding="utf-8"?>
+<p:sld xmlns:a="http://schemas.openxmlformats.org/drawingml/2006/main" xmlns:r="http://schemas.openxmlformats.org/officeDocument/2006/relationships" xmlns:p="http://schemas.openxmlformats.org/presentationml/2006/main">
+  <p:cSld>
+    <p:spTree>
+      <p:nvGrpSpPr>
+        <p:cNvPr id="1" name=""/>
+        <p:cNvGrpSpPr/>
+        <p:nvPr/>
+      </p:nvGrpSpPr>
+      <p:grpSpPr>
+        <a:xfrm>
+          <a:off x="0" y="0"/>
+          <a:ext cx="0" cy="0"/>
+          <a:chOff x="0" y="0"/>
+          <a:chExt cx="0" cy="0"/>
+        </a:xfrm>
+      </p:grpSpPr>
+      <p:sp>
+        <p:nvSpPr>
+          <p:cNvPr id="2" name="Title 1">
+            <a:extLst>
+              <a:ext uri="{FF2B5EF4-FFF2-40B4-BE49-F238E27FC236}">
+                <a16:creationId xmlns:a16="http://schemas.microsoft.com/office/drawing/2014/main" id="{BF966061-C025-4862-BB7A-13EE62604BE4}"/>
+              </a:ext>
+            </a:extLst>
+          </p:cNvPr>
+          <p:cNvSpPr>
+            <a:spLocks noGrp="1"/>
+          </p:cNvSpPr>
+          <p:nvPr>
+            <p:ph type="title"/>
+          </p:nvPr>
+        </p:nvSpPr>
+        <p:spPr/>
+        <p:txBody>
+          <a:bodyPr/>
+          <a:lstStyle/>
+          <a:p>
+            <a:r>
+              <a:rPr lang="en-US" dirty="0"/>
+              <a:t>Domain Services</a:t>
+            </a:r>
+            <a:br>
+              <a:rPr lang="en-US" dirty="0"/>
+            </a:br>
+            <a:r>
+              <a:rPr lang="en-US" sz="3600" dirty="0"/>
+              <a:t>Example</a:t>
+            </a:r>
+            <a:endParaRPr lang="en-US" dirty="0"/>
+          </a:p>
+        </p:txBody>
+      </p:sp>
+      <p:pic>
+        <p:nvPicPr>
+          <p:cNvPr id="4" name="Picture 3">
+            <a:extLst>
+              <a:ext uri="{FF2B5EF4-FFF2-40B4-BE49-F238E27FC236}">
+                <a16:creationId xmlns:a16="http://schemas.microsoft.com/office/drawing/2014/main" id="{29BE0215-8F7B-4D4B-87D0-903BC11A55F4}"/>
+              </a:ext>
+            </a:extLst>
+          </p:cNvPr>
+          <p:cNvPicPr>
+            <a:picLocks noChangeAspect="1"/>
+          </p:cNvPicPr>
+          <p:nvPr/>
+        </p:nvPicPr>
+        <p:blipFill>
+          <a:blip r:embed="rId2"/>
+          <a:stretch>
+            <a:fillRect/>
+          </a:stretch>
+        </p:blipFill>
+        <p:spPr>
+          <a:xfrm>
+            <a:off x="316112" y="1637448"/>
+            <a:ext cx="6068748" cy="5127529"/>
+          </a:xfrm>
+          <a:prstGeom prst="rect">
+            <a:avLst/>
+          </a:prstGeom>
+        </p:spPr>
+      </p:pic>
+      <p:pic>
+        <p:nvPicPr>
+          <p:cNvPr id="5" name="Picture 4">
+            <a:extLst>
+              <a:ext uri="{FF2B5EF4-FFF2-40B4-BE49-F238E27FC236}">
+                <a16:creationId xmlns:a16="http://schemas.microsoft.com/office/drawing/2014/main" id="{A292BBA2-7CC5-49FC-AFB8-6E663B11AD25}"/>
+              </a:ext>
+            </a:extLst>
+          </p:cNvPr>
+          <p:cNvPicPr>
+            <a:picLocks noChangeAspect="1"/>
+          </p:cNvPicPr>
+          <p:nvPr/>
+        </p:nvPicPr>
+        <p:blipFill>
+          <a:blip r:embed="rId3"/>
+          <a:stretch>
+            <a:fillRect/>
+          </a:stretch>
+        </p:blipFill>
+        <p:spPr>
+          <a:xfrm>
+            <a:off x="6717477" y="2529171"/>
+            <a:ext cx="5158411" cy="2379297"/>
+          </a:xfrm>
+          <a:prstGeom prst="rect">
+            <a:avLst/>
+          </a:prstGeom>
+        </p:spPr>
+      </p:pic>
+    </p:spTree>
+    <p:extLst>
+      <p:ext uri="{BB962C8B-B14F-4D97-AF65-F5344CB8AC3E}">
+        <p14:creationId xmlns:p14="http://schemas.microsoft.com/office/powerpoint/2010/main" val="2205829508"/>
+      </p:ext>
+    </p:extLst>
+  </p:cSld>
+  <p:clrMapOvr>
+    <a:masterClrMapping/>
+  </p:clrMapOvr>
+</p:sld>
+</file>
+
+<file path=ppt/slides/slide32.xml><?xml version="1.0" encoding="utf-8"?>
+<p:sld xmlns:a="http://schemas.openxmlformats.org/drawingml/2006/main" xmlns:r="http://schemas.openxmlformats.org/officeDocument/2006/relationships" xmlns:p="http://schemas.openxmlformats.org/presentationml/2006/main">
+  <p:cSld>
+    <p:spTree>
+      <p:nvGrpSpPr>
+        <p:cNvPr id="1" name=""/>
+        <p:cNvGrpSpPr/>
+        <p:nvPr/>
+      </p:nvGrpSpPr>
+      <p:grpSpPr>
+        <a:xfrm>
+          <a:off x="0" y="0"/>
+          <a:ext cx="0" cy="0"/>
+          <a:chOff x="0" y="0"/>
+          <a:chExt cx="0" cy="0"/>
+        </a:xfrm>
+      </p:grpSpPr>
+      <p:sp>
+        <p:nvSpPr>
+          <p:cNvPr id="2" name="Title 1">
+            <a:extLst>
+              <a:ext uri="{FF2B5EF4-FFF2-40B4-BE49-F238E27FC236}">
+                <a16:creationId xmlns:a16="http://schemas.microsoft.com/office/drawing/2014/main" id="{A18F611F-109C-47D3-B70A-8E71B10710CF}"/>
+              </a:ext>
+            </a:extLst>
+          </p:cNvPr>
+          <p:cNvSpPr>
+            <a:spLocks noGrp="1"/>
+          </p:cNvSpPr>
+          <p:nvPr>
+            <p:ph type="title"/>
+          </p:nvPr>
+        </p:nvSpPr>
+        <p:spPr/>
+        <p:txBody>
+          <a:bodyPr/>
+          <a:lstStyle/>
+          <a:p>
+            <a:r>
+              <a:rPr lang="en-US" dirty="0"/>
+              <a:t>Domain Services</a:t>
+            </a:r>
+            <a:br>
+              <a:rPr lang="en-US" dirty="0"/>
+            </a:br>
+            <a:r>
+              <a:rPr lang="en-US" sz="3600" dirty="0"/>
+              <a:t>More…</a:t>
+            </a:r>
+            <a:endParaRPr lang="en-US" dirty="0"/>
+          </a:p>
+        </p:txBody>
+      </p:sp>
+      <p:sp>
+        <p:nvSpPr>
+          <p:cNvPr id="3" name="Content Placeholder 2">
+            <a:extLst>
+              <a:ext uri="{FF2B5EF4-FFF2-40B4-BE49-F238E27FC236}">
+                <a16:creationId xmlns:a16="http://schemas.microsoft.com/office/drawing/2014/main" id="{5B572A71-B250-4E7B-97F2-FCB252B677D7}"/>
+              </a:ext>
+            </a:extLst>
+          </p:cNvPr>
+          <p:cNvSpPr>
+            <a:spLocks noGrp="1"/>
+          </p:cNvSpPr>
+          <p:nvPr>
+            <p:ph idx="1"/>
+          </p:nvPr>
+        </p:nvSpPr>
+        <p:spPr/>
+        <p:txBody>
+          <a:bodyPr/>
+          <a:lstStyle/>
+          <a:p>
+            <a:r>
+              <a:rPr lang="en-US" dirty="0"/>
+              <a:t>TODO</a:t>
+            </a:r>
+          </a:p>
+        </p:txBody>
+      </p:sp>
+    </p:spTree>
+    <p:extLst>
+      <p:ext uri="{BB962C8B-B14F-4D97-AF65-F5344CB8AC3E}">
+        <p14:creationId xmlns:p14="http://schemas.microsoft.com/office/powerpoint/2010/main" val="1148542737"/>
+      </p:ext>
+    </p:extLst>
+  </p:cSld>
+  <p:clrMapOvr>
+    <a:masterClrMapping/>
+  </p:clrMapOvr>
+</p:sld>
+</file>
+
+<file path=ppt/slides/slide33.xml><?xml version="1.0" encoding="utf-8"?>
+<p:sld xmlns:a="http://schemas.openxmlformats.org/drawingml/2006/main" xmlns:r="http://schemas.openxmlformats.org/officeDocument/2006/relationships" xmlns:p="http://schemas.openxmlformats.org/presentationml/2006/main">
+  <p:cSld>
+    <p:spTree>
+      <p:nvGrpSpPr>
+        <p:cNvPr id="1" name=""/>
+        <p:cNvGrpSpPr/>
+        <p:nvPr/>
+      </p:nvGrpSpPr>
+      <p:grpSpPr>
+        <a:xfrm>
+          <a:off x="0" y="0"/>
+          <a:ext cx="0" cy="0"/>
+          <a:chOff x="0" y="0"/>
+          <a:chExt cx="0" cy="0"/>
+        </a:xfrm>
+      </p:grpSpPr>
+      <p:sp>
+        <p:nvSpPr>
+          <p:cNvPr id="2" name="Title 1">
+            <a:extLst>
+              <a:ext uri="{FF2B5EF4-FFF2-40B4-BE49-F238E27FC236}">
+                <a16:creationId xmlns:a16="http://schemas.microsoft.com/office/drawing/2014/main" id="{9E00AFCC-9F14-4DE2-B25D-DBEC34754496}"/>
+              </a:ext>
+            </a:extLst>
+          </p:cNvPr>
+          <p:cNvSpPr>
+            <a:spLocks noGrp="1"/>
+          </p:cNvSpPr>
+          <p:nvPr>
+            <p:ph type="title"/>
+          </p:nvPr>
+        </p:nvSpPr>
+        <p:spPr/>
+        <p:txBody>
+          <a:bodyPr/>
+          <a:lstStyle/>
+          <a:p>
+            <a:r>
+              <a:rPr lang="en-US" dirty="0"/>
+              <a:t>Application Services</a:t>
+            </a:r>
+            <a:br>
+              <a:rPr lang="en-US" dirty="0"/>
+            </a:br>
+            <a:r>
+              <a:rPr lang="en-US" sz="3600" dirty="0"/>
+              <a:t>Principles</a:t>
+            </a:r>
+            <a:endParaRPr lang="en-US" dirty="0"/>
+          </a:p>
+        </p:txBody>
+      </p:sp>
+      <p:sp>
+        <p:nvSpPr>
+          <p:cNvPr id="3" name="Content Placeholder 2">
+            <a:extLst>
+              <a:ext uri="{FF2B5EF4-FFF2-40B4-BE49-F238E27FC236}">
+                <a16:creationId xmlns:a16="http://schemas.microsoft.com/office/drawing/2014/main" id="{0EF0AC2E-582F-490A-8D51-741AA1B21A00}"/>
+              </a:ext>
+            </a:extLst>
+          </p:cNvPr>
+          <p:cNvSpPr>
+            <a:spLocks noGrp="1"/>
+          </p:cNvSpPr>
+          <p:nvPr>
+            <p:ph idx="1"/>
+          </p:nvPr>
+        </p:nvSpPr>
+        <p:spPr/>
+        <p:txBody>
+          <a:bodyPr/>
+          <a:lstStyle/>
+          <a:p>
+            <a:r>
+              <a:rPr lang="en-US" dirty="0"/>
+              <a:t>Implement </a:t>
+            </a:r>
+            <a:r>
+              <a:rPr lang="en-US" b="1" dirty="0"/>
+              <a:t>use cases</a:t>
+            </a:r>
+            <a:r>
+              <a:rPr lang="en-US" dirty="0"/>
+              <a:t> of the application (application logic), not domain logic!</a:t>
+            </a:r>
+          </a:p>
+          <a:p>
+            <a:r>
+              <a:rPr lang="en-US" dirty="0"/>
+              <a:t>Get &amp; return </a:t>
+            </a:r>
+            <a:r>
+              <a:rPr lang="en-US" b="1" dirty="0"/>
+              <a:t>Data Transfer Objects</a:t>
+            </a:r>
+            <a:r>
+              <a:rPr lang="en-US" dirty="0"/>
+              <a:t>, not entities!</a:t>
+            </a:r>
+          </a:p>
+          <a:p>
+            <a:r>
+              <a:rPr lang="en-US" dirty="0"/>
+              <a:t>Use entities, repositories and other domain objects inside</a:t>
+            </a:r>
+          </a:p>
+        </p:txBody>
+      </p:sp>
+    </p:spTree>
+    <p:extLst>
+      <p:ext uri="{BB962C8B-B14F-4D97-AF65-F5344CB8AC3E}">
+        <p14:creationId xmlns:p14="http://schemas.microsoft.com/office/powerpoint/2010/main" val="2222563176"/>
       </p:ext>
     </p:extLst>
   </p:cSld>

--- a/2019-10-26 Implementing DDD/Presentation.pptx
+++ b/2019-10-26 Implementing DDD/Presentation.pptx
@@ -38,6 +38,12 @@
     <p:sldId id="290" r:id="rId32"/>
     <p:sldId id="292" r:id="rId33"/>
     <p:sldId id="293" r:id="rId34"/>
+    <p:sldId id="294" r:id="rId35"/>
+    <p:sldId id="295" r:id="rId36"/>
+    <p:sldId id="297" r:id="rId37"/>
+    <p:sldId id="298" r:id="rId38"/>
+    <p:sldId id="299" r:id="rId39"/>
+    <p:sldId id="296" r:id="rId40"/>
   </p:sldIdLst>
   <p:sldSz cx="12192000" cy="6858000"/>
   <p:notesSz cx="6858000" cy="9144000"/>
@@ -7559,6 +7565,1148 @@
     <p:extLst>
       <p:ext uri="{BB962C8B-B14F-4D97-AF65-F5344CB8AC3E}">
         <p14:creationId xmlns:p14="http://schemas.microsoft.com/office/powerpoint/2010/main" val="2222563176"/>
+      </p:ext>
+    </p:extLst>
+  </p:cSld>
+  <p:clrMapOvr>
+    <a:masterClrMapping/>
+  </p:clrMapOvr>
+</p:sld>
+</file>
+
+<file path=ppt/slides/slide34.xml><?xml version="1.0" encoding="utf-8"?>
+<p:sld xmlns:a="http://schemas.openxmlformats.org/drawingml/2006/main" xmlns:r="http://schemas.openxmlformats.org/officeDocument/2006/relationships" xmlns:p="http://schemas.openxmlformats.org/presentationml/2006/main">
+  <p:cSld>
+    <p:spTree>
+      <p:nvGrpSpPr>
+        <p:cNvPr id="1" name=""/>
+        <p:cNvGrpSpPr/>
+        <p:nvPr/>
+      </p:nvGrpSpPr>
+      <p:grpSpPr>
+        <a:xfrm>
+          <a:off x="0" y="0"/>
+          <a:ext cx="0" cy="0"/>
+          <a:chOff x="0" y="0"/>
+          <a:chExt cx="0" cy="0"/>
+        </a:xfrm>
+      </p:grpSpPr>
+      <p:sp>
+        <p:nvSpPr>
+          <p:cNvPr id="2" name="Title 1">
+            <a:extLst>
+              <a:ext uri="{FF2B5EF4-FFF2-40B4-BE49-F238E27FC236}">
+                <a16:creationId xmlns:a16="http://schemas.microsoft.com/office/drawing/2014/main" id="{29F85CF8-884F-45A6-90A4-69F90F82C910}"/>
+              </a:ext>
+            </a:extLst>
+          </p:cNvPr>
+          <p:cNvSpPr>
+            <a:spLocks noGrp="1"/>
+          </p:cNvSpPr>
+          <p:nvPr>
+            <p:ph type="title"/>
+          </p:nvPr>
+        </p:nvSpPr>
+        <p:spPr/>
+        <p:txBody>
+          <a:bodyPr/>
+          <a:lstStyle/>
+          <a:p>
+            <a:r>
+              <a:rPr lang="en-US" dirty="0"/>
+              <a:t>Application Services</a:t>
+            </a:r>
+            <a:br>
+              <a:rPr lang="en-US" dirty="0"/>
+            </a:br>
+            <a:r>
+              <a:rPr lang="en-US" sz="3600" dirty="0"/>
+              <a:t>Example</a:t>
+            </a:r>
+            <a:endParaRPr lang="en-US" dirty="0"/>
+          </a:p>
+        </p:txBody>
+      </p:sp>
+      <p:sp>
+        <p:nvSpPr>
+          <p:cNvPr id="6" name="Content Placeholder 5">
+            <a:extLst>
+              <a:ext uri="{FF2B5EF4-FFF2-40B4-BE49-F238E27FC236}">
+                <a16:creationId xmlns:a16="http://schemas.microsoft.com/office/drawing/2014/main" id="{84560618-1B9B-4090-BCC5-B982A3C0BA40}"/>
+              </a:ext>
+            </a:extLst>
+          </p:cNvPr>
+          <p:cNvSpPr>
+            <a:spLocks noGrp="1"/>
+          </p:cNvSpPr>
+          <p:nvPr>
+            <p:ph idx="1"/>
+          </p:nvPr>
+        </p:nvSpPr>
+        <p:spPr>
+          <a:xfrm>
+            <a:off x="6096000" y="3079668"/>
+            <a:ext cx="5506191" cy="3097295"/>
+          </a:xfrm>
+        </p:spPr>
+        <p:txBody>
+          <a:bodyPr>
+            <a:normAutofit fontScale="85000" lnSpcReduction="10000"/>
+          </a:bodyPr>
+          <a:lstStyle/>
+          <a:p>
+            <a:r>
+              <a:rPr lang="en-US" dirty="0"/>
+              <a:t>Use domain objects (entities, domain services &amp; repositories)</a:t>
+            </a:r>
+          </a:p>
+          <a:p>
+            <a:r>
+              <a:rPr lang="en-US" dirty="0"/>
+              <a:t>Get DTO as argument</a:t>
+            </a:r>
+          </a:p>
+          <a:p>
+            <a:r>
+              <a:rPr lang="en-US" dirty="0"/>
+              <a:t>Get entities from repository to work on</a:t>
+            </a:r>
+          </a:p>
+          <a:p>
+            <a:r>
+              <a:rPr lang="en-US" dirty="0"/>
+              <a:t>Use domain service to perform the domain logic</a:t>
+            </a:r>
+          </a:p>
+          <a:p>
+            <a:r>
+              <a:rPr lang="en-US" dirty="0"/>
+              <a:t>Always update the entity explicitly (don’t assume the change tracking)</a:t>
+            </a:r>
+          </a:p>
+        </p:txBody>
+      </p:sp>
+      <p:pic>
+        <p:nvPicPr>
+          <p:cNvPr id="8" name="Picture 7">
+            <a:extLst>
+              <a:ext uri="{FF2B5EF4-FFF2-40B4-BE49-F238E27FC236}">
+                <a16:creationId xmlns:a16="http://schemas.microsoft.com/office/drawing/2014/main" id="{FC52CA0A-AB3A-48BF-A6C0-C7D6EB02CC3A}"/>
+              </a:ext>
+            </a:extLst>
+          </p:cNvPr>
+          <p:cNvPicPr>
+            <a:picLocks noChangeAspect="1"/>
+          </p:cNvPicPr>
+          <p:nvPr/>
+        </p:nvPicPr>
+        <p:blipFill>
+          <a:blip r:embed="rId2"/>
+          <a:stretch>
+            <a:fillRect/>
+          </a:stretch>
+        </p:blipFill>
+        <p:spPr>
+          <a:xfrm>
+            <a:off x="328503" y="1598006"/>
+            <a:ext cx="5680412" cy="5212492"/>
+          </a:xfrm>
+          <a:prstGeom prst="rect">
+            <a:avLst/>
+          </a:prstGeom>
+        </p:spPr>
+      </p:pic>
+      <p:pic>
+        <p:nvPicPr>
+          <p:cNvPr id="10" name="Picture 9">
+            <a:extLst>
+              <a:ext uri="{FF2B5EF4-FFF2-40B4-BE49-F238E27FC236}">
+                <a16:creationId xmlns:a16="http://schemas.microsoft.com/office/drawing/2014/main" id="{4CD54B2A-5509-432C-9977-26A4EEB7C0B1}"/>
+              </a:ext>
+            </a:extLst>
+          </p:cNvPr>
+          <p:cNvPicPr>
+            <a:picLocks noChangeAspect="1"/>
+          </p:cNvPicPr>
+          <p:nvPr/>
+        </p:nvPicPr>
+        <p:blipFill>
+          <a:blip r:embed="rId3"/>
+          <a:stretch>
+            <a:fillRect/>
+          </a:stretch>
+        </p:blipFill>
+        <p:spPr>
+          <a:xfrm>
+            <a:off x="6139543" y="1491838"/>
+            <a:ext cx="3750561" cy="1527856"/>
+          </a:xfrm>
+          <a:prstGeom prst="rect">
+            <a:avLst/>
+          </a:prstGeom>
+        </p:spPr>
+      </p:pic>
+    </p:spTree>
+    <p:extLst>
+      <p:ext uri="{BB962C8B-B14F-4D97-AF65-F5344CB8AC3E}">
+        <p14:creationId xmlns:p14="http://schemas.microsoft.com/office/powerpoint/2010/main" val="1823342036"/>
+      </p:ext>
+    </p:extLst>
+  </p:cSld>
+  <p:clrMapOvr>
+    <a:masterClrMapping/>
+  </p:clrMapOvr>
+</p:sld>
+</file>
+
+<file path=ppt/slides/slide35.xml><?xml version="1.0" encoding="utf-8"?>
+<p:sld xmlns:a="http://schemas.openxmlformats.org/drawingml/2006/main" xmlns:r="http://schemas.openxmlformats.org/officeDocument/2006/relationships" xmlns:p="http://schemas.openxmlformats.org/presentationml/2006/main">
+  <p:cSld>
+    <p:spTree>
+      <p:nvGrpSpPr>
+        <p:cNvPr id="1" name=""/>
+        <p:cNvGrpSpPr/>
+        <p:nvPr/>
+      </p:nvGrpSpPr>
+      <p:grpSpPr>
+        <a:xfrm>
+          <a:off x="0" y="0"/>
+          <a:ext cx="0" cy="0"/>
+          <a:chOff x="0" y="0"/>
+          <a:chExt cx="0" cy="0"/>
+        </a:xfrm>
+      </p:grpSpPr>
+      <p:sp>
+        <p:nvSpPr>
+          <p:cNvPr id="2" name="Title 1">
+            <a:extLst>
+              <a:ext uri="{FF2B5EF4-FFF2-40B4-BE49-F238E27FC236}">
+                <a16:creationId xmlns:a16="http://schemas.microsoft.com/office/drawing/2014/main" id="{33859EB7-3603-49F7-BB61-6EDF40AB255C}"/>
+              </a:ext>
+            </a:extLst>
+          </p:cNvPr>
+          <p:cNvSpPr>
+            <a:spLocks noGrp="1"/>
+          </p:cNvSpPr>
+          <p:nvPr>
+            <p:ph type="title"/>
+          </p:nvPr>
+        </p:nvSpPr>
+        <p:spPr/>
+        <p:txBody>
+          <a:bodyPr/>
+          <a:lstStyle/>
+          <a:p>
+            <a:r>
+              <a:rPr lang="en-US" dirty="0"/>
+              <a:t>Application Services</a:t>
+            </a:r>
+            <a:br>
+              <a:rPr lang="en-US" dirty="0"/>
+            </a:br>
+            <a:r>
+              <a:rPr lang="en-US" sz="3600" dirty="0"/>
+              <a:t>Common DTO best practices</a:t>
+            </a:r>
+          </a:p>
+        </p:txBody>
+      </p:sp>
+      <p:sp>
+        <p:nvSpPr>
+          <p:cNvPr id="3" name="Content Placeholder 2">
+            <a:extLst>
+              <a:ext uri="{FF2B5EF4-FFF2-40B4-BE49-F238E27FC236}">
+                <a16:creationId xmlns:a16="http://schemas.microsoft.com/office/drawing/2014/main" id="{4377728D-98D7-42E7-891E-873DD3D4F409}"/>
+              </a:ext>
+            </a:extLst>
+          </p:cNvPr>
+          <p:cNvSpPr>
+            <a:spLocks noGrp="1"/>
+          </p:cNvSpPr>
+          <p:nvPr>
+            <p:ph idx="1"/>
+          </p:nvPr>
+        </p:nvSpPr>
+        <p:spPr/>
+        <p:txBody>
+          <a:bodyPr/>
+          <a:lstStyle/>
+          <a:p>
+            <a:r>
+              <a:rPr lang="en-US" dirty="0"/>
+              <a:t>Should be </a:t>
+            </a:r>
+            <a:r>
+              <a:rPr lang="en-US" b="1" dirty="0"/>
+              <a:t>serializable</a:t>
+            </a:r>
+          </a:p>
+          <a:p>
+            <a:r>
+              <a:rPr lang="en-US" dirty="0"/>
+              <a:t>Should have a </a:t>
+            </a:r>
+            <a:r>
+              <a:rPr lang="en-US" b="1" dirty="0" err="1"/>
+              <a:t>parameterless</a:t>
+            </a:r>
+            <a:r>
+              <a:rPr lang="en-US" b="1" dirty="0"/>
+              <a:t> public constructor</a:t>
+            </a:r>
+            <a:r>
+              <a:rPr lang="en-US" dirty="0"/>
+              <a:t> (implicit/explicit)</a:t>
+            </a:r>
+          </a:p>
+          <a:p>
+            <a:r>
+              <a:rPr lang="en-US" dirty="0"/>
+              <a:t>Should not contain any </a:t>
+            </a:r>
+            <a:r>
+              <a:rPr lang="en-US" b="1" dirty="0"/>
+              <a:t>business logic</a:t>
+            </a:r>
+          </a:p>
+          <a:p>
+            <a:r>
+              <a:rPr lang="en-US" dirty="0">
+                <a:solidFill>
+                  <a:srgbClr val="FF0000"/>
+                </a:solidFill>
+              </a:rPr>
+              <a:t>Never</a:t>
+            </a:r>
+            <a:r>
+              <a:rPr lang="en-US" dirty="0"/>
+              <a:t> inherit from </a:t>
+            </a:r>
+            <a:r>
+              <a:rPr lang="en-US" b="1" dirty="0"/>
+              <a:t>entities</a:t>
+            </a:r>
+            <a:r>
+              <a:rPr lang="en-US" dirty="0"/>
+              <a:t>! </a:t>
+            </a:r>
+            <a:r>
+              <a:rPr lang="en-US" dirty="0">
+                <a:solidFill>
+                  <a:srgbClr val="FF0000"/>
+                </a:solidFill>
+              </a:rPr>
+              <a:t>Never</a:t>
+            </a:r>
+            <a:r>
+              <a:rPr lang="en-US" dirty="0"/>
+              <a:t> reference to </a:t>
+            </a:r>
+            <a:r>
+              <a:rPr lang="en-US" b="1" dirty="0"/>
+              <a:t>entities</a:t>
+            </a:r>
+            <a:r>
+              <a:rPr lang="en-US" dirty="0"/>
+              <a:t>!</a:t>
+            </a:r>
+          </a:p>
+        </p:txBody>
+      </p:sp>
+    </p:spTree>
+    <p:extLst>
+      <p:ext uri="{BB962C8B-B14F-4D97-AF65-F5344CB8AC3E}">
+        <p14:creationId xmlns:p14="http://schemas.microsoft.com/office/powerpoint/2010/main" val="3897034382"/>
+      </p:ext>
+    </p:extLst>
+  </p:cSld>
+  <p:clrMapOvr>
+    <a:masterClrMapping/>
+  </p:clrMapOvr>
+</p:sld>
+</file>
+
+<file path=ppt/slides/slide36.xml><?xml version="1.0" encoding="utf-8"?>
+<p:sld xmlns:a="http://schemas.openxmlformats.org/drawingml/2006/main" xmlns:r="http://schemas.openxmlformats.org/officeDocument/2006/relationships" xmlns:p="http://schemas.openxmlformats.org/presentationml/2006/main">
+  <p:cSld>
+    <p:spTree>
+      <p:nvGrpSpPr>
+        <p:cNvPr id="1" name=""/>
+        <p:cNvGrpSpPr/>
+        <p:nvPr/>
+      </p:nvGrpSpPr>
+      <p:grpSpPr>
+        <a:xfrm>
+          <a:off x="0" y="0"/>
+          <a:ext cx="0" cy="0"/>
+          <a:chOff x="0" y="0"/>
+          <a:chExt cx="0" cy="0"/>
+        </a:xfrm>
+      </p:grpSpPr>
+      <p:sp>
+        <p:nvSpPr>
+          <p:cNvPr id="2" name="Title 1">
+            <a:extLst>
+              <a:ext uri="{FF2B5EF4-FFF2-40B4-BE49-F238E27FC236}">
+                <a16:creationId xmlns:a16="http://schemas.microsoft.com/office/drawing/2014/main" id="{33859EB7-3603-49F7-BB61-6EDF40AB255C}"/>
+              </a:ext>
+            </a:extLst>
+          </p:cNvPr>
+          <p:cNvSpPr>
+            <a:spLocks noGrp="1"/>
+          </p:cNvSpPr>
+          <p:nvPr>
+            <p:ph type="title"/>
+          </p:nvPr>
+        </p:nvSpPr>
+        <p:spPr/>
+        <p:txBody>
+          <a:bodyPr/>
+          <a:lstStyle/>
+          <a:p>
+            <a:r>
+              <a:rPr lang="en-US" dirty="0"/>
+              <a:t>Application Services</a:t>
+            </a:r>
+            <a:br>
+              <a:rPr lang="en-US" dirty="0"/>
+            </a:br>
+            <a:r>
+              <a:rPr lang="en-US" sz="3600" dirty="0"/>
+              <a:t>Input DTO best practices</a:t>
+            </a:r>
+          </a:p>
+        </p:txBody>
+      </p:sp>
+      <p:sp>
+        <p:nvSpPr>
+          <p:cNvPr id="3" name="Content Placeholder 2">
+            <a:extLst>
+              <a:ext uri="{FF2B5EF4-FFF2-40B4-BE49-F238E27FC236}">
+                <a16:creationId xmlns:a16="http://schemas.microsoft.com/office/drawing/2014/main" id="{4377728D-98D7-42E7-891E-873DD3D4F409}"/>
+              </a:ext>
+            </a:extLst>
+          </p:cNvPr>
+          <p:cNvSpPr>
+            <a:spLocks noGrp="1"/>
+          </p:cNvSpPr>
+          <p:nvPr>
+            <p:ph idx="1"/>
+          </p:nvPr>
+        </p:nvSpPr>
+        <p:spPr>
+          <a:xfrm>
+            <a:off x="838200" y="1825625"/>
+            <a:ext cx="5736771" cy="4351338"/>
+          </a:xfrm>
+        </p:spPr>
+        <p:txBody>
+          <a:bodyPr>
+            <a:normAutofit/>
+          </a:bodyPr>
+          <a:lstStyle/>
+          <a:p>
+            <a:r>
+              <a:rPr lang="en-US" sz="2000" dirty="0"/>
+              <a:t>Define only the </a:t>
+            </a:r>
+            <a:r>
+              <a:rPr lang="en-US" sz="2000" b="1" dirty="0"/>
+              <a:t>properties needed </a:t>
+            </a:r>
+            <a:r>
+              <a:rPr lang="en-US" sz="2000" dirty="0"/>
+              <a:t>for the use case</a:t>
+            </a:r>
+          </a:p>
+          <a:p>
+            <a:r>
+              <a:rPr lang="en-US" sz="2000" b="1" dirty="0"/>
+              <a:t>Do not reuse </a:t>
+            </a:r>
+            <a:r>
+              <a:rPr lang="en-US" sz="2000" dirty="0"/>
+              <a:t>same input DTO for multiple use cases (service methods)</a:t>
+            </a:r>
+          </a:p>
+        </p:txBody>
+      </p:sp>
+      <p:sp>
+        <p:nvSpPr>
+          <p:cNvPr id="5" name="Content Placeholder 2">
+            <a:extLst>
+              <a:ext uri="{FF2B5EF4-FFF2-40B4-BE49-F238E27FC236}">
+                <a16:creationId xmlns:a16="http://schemas.microsoft.com/office/drawing/2014/main" id="{E9BCDBDA-86DC-4A3B-9729-D23E56AD4FD6}"/>
+              </a:ext>
+            </a:extLst>
+          </p:cNvPr>
+          <p:cNvSpPr txBox="1">
+            <a:spLocks/>
+          </p:cNvSpPr>
+          <p:nvPr/>
+        </p:nvSpPr>
+        <p:spPr>
+          <a:xfrm>
+            <a:off x="7394369" y="1825625"/>
+            <a:ext cx="4292930" cy="4351338"/>
+          </a:xfrm>
+          <a:prstGeom prst="rect">
+            <a:avLst/>
+          </a:prstGeom>
+        </p:spPr>
+        <p:txBody>
+          <a:bodyPr vert="horz" lIns="91440" tIns="45720" rIns="91440" bIns="45720" rtlCol="0">
+            <a:normAutofit/>
+          </a:bodyPr>
+          <a:lstStyle>
+            <a:lvl1pPr marL="228600" indent="-228600" algn="l" defTabSz="914400" rtl="0" eaLnBrk="1" latinLnBrk="0" hangingPunct="1">
+              <a:lnSpc>
+                <a:spcPct val="90000"/>
+              </a:lnSpc>
+              <a:spcBef>
+                <a:spcPts val="1000"/>
+              </a:spcBef>
+              <a:buFont typeface="Arial" panose="020B0604020202020204" pitchFamily="34" charset="0"/>
+              <a:buChar char="•"/>
+              <a:defRPr sz="2800" kern="1200">
+                <a:solidFill>
+                  <a:schemeClr val="tx1"/>
+                </a:solidFill>
+                <a:latin typeface="+mn-lt"/>
+                <a:ea typeface="+mn-ea"/>
+                <a:cs typeface="+mn-cs"/>
+              </a:defRPr>
+            </a:lvl1pPr>
+            <a:lvl2pPr marL="685800" indent="-228600" algn="l" defTabSz="914400" rtl="0" eaLnBrk="1" latinLnBrk="0" hangingPunct="1">
+              <a:lnSpc>
+                <a:spcPct val="90000"/>
+              </a:lnSpc>
+              <a:spcBef>
+                <a:spcPts val="500"/>
+              </a:spcBef>
+              <a:buFont typeface="Arial" panose="020B0604020202020204" pitchFamily="34" charset="0"/>
+              <a:buChar char="•"/>
+              <a:defRPr sz="2400" kern="1200">
+                <a:solidFill>
+                  <a:schemeClr val="tx1"/>
+                </a:solidFill>
+                <a:latin typeface="+mn-lt"/>
+                <a:ea typeface="+mn-ea"/>
+                <a:cs typeface="+mn-cs"/>
+              </a:defRPr>
+            </a:lvl2pPr>
+            <a:lvl3pPr marL="1143000" indent="-228600" algn="l" defTabSz="914400" rtl="0" eaLnBrk="1" latinLnBrk="0" hangingPunct="1">
+              <a:lnSpc>
+                <a:spcPct val="90000"/>
+              </a:lnSpc>
+              <a:spcBef>
+                <a:spcPts val="500"/>
+              </a:spcBef>
+              <a:buFont typeface="Arial" panose="020B0604020202020204" pitchFamily="34" charset="0"/>
+              <a:buChar char="•"/>
+              <a:defRPr sz="2000" kern="1200">
+                <a:solidFill>
+                  <a:schemeClr val="tx1"/>
+                </a:solidFill>
+                <a:latin typeface="+mn-lt"/>
+                <a:ea typeface="+mn-ea"/>
+                <a:cs typeface="+mn-cs"/>
+              </a:defRPr>
+            </a:lvl3pPr>
+            <a:lvl4pPr marL="1600200" indent="-228600" algn="l" defTabSz="914400" rtl="0" eaLnBrk="1" latinLnBrk="0" hangingPunct="1">
+              <a:lnSpc>
+                <a:spcPct val="90000"/>
+              </a:lnSpc>
+              <a:spcBef>
+                <a:spcPts val="500"/>
+              </a:spcBef>
+              <a:buFont typeface="Arial" panose="020B0604020202020204" pitchFamily="34" charset="0"/>
+              <a:buChar char="•"/>
+              <a:defRPr sz="1800" kern="1200">
+                <a:solidFill>
+                  <a:schemeClr val="tx1"/>
+                </a:solidFill>
+                <a:latin typeface="+mn-lt"/>
+                <a:ea typeface="+mn-ea"/>
+                <a:cs typeface="+mn-cs"/>
+              </a:defRPr>
+            </a:lvl4pPr>
+            <a:lvl5pPr marL="2057400" indent="-228600" algn="l" defTabSz="914400" rtl="0" eaLnBrk="1" latinLnBrk="0" hangingPunct="1">
+              <a:lnSpc>
+                <a:spcPct val="90000"/>
+              </a:lnSpc>
+              <a:spcBef>
+                <a:spcPts val="500"/>
+              </a:spcBef>
+              <a:buFont typeface="Arial" panose="020B0604020202020204" pitchFamily="34" charset="0"/>
+              <a:buChar char="•"/>
+              <a:defRPr sz="1800" kern="1200">
+                <a:solidFill>
+                  <a:schemeClr val="tx1"/>
+                </a:solidFill>
+                <a:latin typeface="+mn-lt"/>
+                <a:ea typeface="+mn-ea"/>
+                <a:cs typeface="+mn-cs"/>
+              </a:defRPr>
+            </a:lvl5pPr>
+            <a:lvl6pPr marL="2514600" indent="-228600" algn="l" defTabSz="914400" rtl="0" eaLnBrk="1" latinLnBrk="0" hangingPunct="1">
+              <a:lnSpc>
+                <a:spcPct val="90000"/>
+              </a:lnSpc>
+              <a:spcBef>
+                <a:spcPts val="500"/>
+              </a:spcBef>
+              <a:buFont typeface="Arial" panose="020B0604020202020204" pitchFamily="34" charset="0"/>
+              <a:buChar char="•"/>
+              <a:defRPr sz="1800" kern="1200">
+                <a:solidFill>
+                  <a:schemeClr val="tx1"/>
+                </a:solidFill>
+                <a:latin typeface="+mn-lt"/>
+                <a:ea typeface="+mn-ea"/>
+                <a:cs typeface="+mn-cs"/>
+              </a:defRPr>
+            </a:lvl6pPr>
+            <a:lvl7pPr marL="2971800" indent="-228600" algn="l" defTabSz="914400" rtl="0" eaLnBrk="1" latinLnBrk="0" hangingPunct="1">
+              <a:lnSpc>
+                <a:spcPct val="90000"/>
+              </a:lnSpc>
+              <a:spcBef>
+                <a:spcPts val="500"/>
+              </a:spcBef>
+              <a:buFont typeface="Arial" panose="020B0604020202020204" pitchFamily="34" charset="0"/>
+              <a:buChar char="•"/>
+              <a:defRPr sz="1800" kern="1200">
+                <a:solidFill>
+                  <a:schemeClr val="tx1"/>
+                </a:solidFill>
+                <a:latin typeface="+mn-lt"/>
+                <a:ea typeface="+mn-ea"/>
+                <a:cs typeface="+mn-cs"/>
+              </a:defRPr>
+            </a:lvl7pPr>
+            <a:lvl8pPr marL="3429000" indent="-228600" algn="l" defTabSz="914400" rtl="0" eaLnBrk="1" latinLnBrk="0" hangingPunct="1">
+              <a:lnSpc>
+                <a:spcPct val="90000"/>
+              </a:lnSpc>
+              <a:spcBef>
+                <a:spcPts val="500"/>
+              </a:spcBef>
+              <a:buFont typeface="Arial" panose="020B0604020202020204" pitchFamily="34" charset="0"/>
+              <a:buChar char="•"/>
+              <a:defRPr sz="1800" kern="1200">
+                <a:solidFill>
+                  <a:schemeClr val="tx1"/>
+                </a:solidFill>
+                <a:latin typeface="+mn-lt"/>
+                <a:ea typeface="+mn-ea"/>
+                <a:cs typeface="+mn-cs"/>
+              </a:defRPr>
+            </a:lvl8pPr>
+            <a:lvl9pPr marL="3886200" indent="-228600" algn="l" defTabSz="914400" rtl="0" eaLnBrk="1" latinLnBrk="0" hangingPunct="1">
+              <a:lnSpc>
+                <a:spcPct val="90000"/>
+              </a:lnSpc>
+              <a:spcBef>
+                <a:spcPts val="500"/>
+              </a:spcBef>
+              <a:buFont typeface="Arial" panose="020B0604020202020204" pitchFamily="34" charset="0"/>
+              <a:buChar char="•"/>
+              <a:defRPr sz="1800" kern="1200">
+                <a:solidFill>
+                  <a:schemeClr val="tx1"/>
+                </a:solidFill>
+                <a:latin typeface="+mn-lt"/>
+                <a:ea typeface="+mn-ea"/>
+                <a:cs typeface="+mn-cs"/>
+              </a:defRPr>
+            </a:lvl9pPr>
+          </a:lstStyle>
+          <a:p>
+            <a:r>
+              <a:rPr lang="en-US" sz="2000" dirty="0">
+                <a:solidFill>
+                  <a:srgbClr val="FF0000"/>
+                </a:solidFill>
+              </a:rPr>
+              <a:t>Id</a:t>
+            </a:r>
+            <a:r>
+              <a:rPr lang="en-US" sz="2000" dirty="0"/>
+              <a:t> is not used in create! Do not share same DTO for create &amp; update!</a:t>
+            </a:r>
+          </a:p>
+          <a:p>
+            <a:r>
+              <a:rPr lang="en-US" sz="2000" dirty="0">
+                <a:solidFill>
+                  <a:srgbClr val="FF0000"/>
+                </a:solidFill>
+              </a:rPr>
+              <a:t>Password</a:t>
+            </a:r>
+            <a:r>
+              <a:rPr lang="en-US" sz="2000" dirty="0"/>
+              <a:t> is not used in </a:t>
+            </a:r>
+            <a:r>
+              <a:rPr lang="en-US" sz="2000" i="1" dirty="0"/>
+              <a:t>Update </a:t>
+            </a:r>
+            <a:r>
+              <a:rPr lang="en-US" sz="2000" dirty="0"/>
+              <a:t>and </a:t>
+            </a:r>
+            <a:r>
+              <a:rPr lang="en-US" sz="2000" i="1" dirty="0" err="1"/>
+              <a:t>ChangeUserName</a:t>
+            </a:r>
+            <a:r>
+              <a:rPr lang="en-US" sz="2000" dirty="0"/>
+              <a:t>!</a:t>
+            </a:r>
+          </a:p>
+          <a:p>
+            <a:r>
+              <a:rPr lang="en-US" sz="2000" dirty="0" err="1">
+                <a:solidFill>
+                  <a:srgbClr val="FF0000"/>
+                </a:solidFill>
+              </a:rPr>
+              <a:t>CreationTime</a:t>
+            </a:r>
+            <a:r>
+              <a:rPr lang="en-US" sz="2000" dirty="0"/>
+              <a:t> should not sent by the clients!</a:t>
+            </a:r>
+          </a:p>
+        </p:txBody>
+      </p:sp>
+      <p:pic>
+        <p:nvPicPr>
+          <p:cNvPr id="6" name="Picture 5">
+            <a:extLst>
+              <a:ext uri="{FF2B5EF4-FFF2-40B4-BE49-F238E27FC236}">
+                <a16:creationId xmlns:a16="http://schemas.microsoft.com/office/drawing/2014/main" id="{4E7E2BA8-CC4F-40A3-86CC-E9FA2E91998F}"/>
+              </a:ext>
+            </a:extLst>
+          </p:cNvPr>
+          <p:cNvPicPr>
+            <a:picLocks noChangeAspect="1"/>
+          </p:cNvPicPr>
+          <p:nvPr/>
+        </p:nvPicPr>
+        <p:blipFill>
+          <a:blip r:embed="rId2"/>
+          <a:stretch>
+            <a:fillRect/>
+          </a:stretch>
+        </p:blipFill>
+        <p:spPr>
+          <a:xfrm>
+            <a:off x="711181" y="2942612"/>
+            <a:ext cx="6212133" cy="3788718"/>
+          </a:xfrm>
+          <a:prstGeom prst="rect">
+            <a:avLst/>
+          </a:prstGeom>
+        </p:spPr>
+      </p:pic>
+    </p:spTree>
+    <p:extLst>
+      <p:ext uri="{BB962C8B-B14F-4D97-AF65-F5344CB8AC3E}">
+        <p14:creationId xmlns:p14="http://schemas.microsoft.com/office/powerpoint/2010/main" val="2522872361"/>
+      </p:ext>
+    </p:extLst>
+  </p:cSld>
+  <p:clrMapOvr>
+    <a:masterClrMapping/>
+  </p:clrMapOvr>
+</p:sld>
+</file>
+
+<file path=ppt/slides/slide37.xml><?xml version="1.0" encoding="utf-8"?>
+<p:sld xmlns:a="http://schemas.openxmlformats.org/drawingml/2006/main" xmlns:r="http://schemas.openxmlformats.org/officeDocument/2006/relationships" xmlns:p="http://schemas.openxmlformats.org/presentationml/2006/main">
+  <p:cSld>
+    <p:spTree>
+      <p:nvGrpSpPr>
+        <p:cNvPr id="1" name=""/>
+        <p:cNvGrpSpPr/>
+        <p:nvPr/>
+      </p:nvGrpSpPr>
+      <p:grpSpPr>
+        <a:xfrm>
+          <a:off x="0" y="0"/>
+          <a:ext cx="0" cy="0"/>
+          <a:chOff x="0" y="0"/>
+          <a:chExt cx="0" cy="0"/>
+        </a:xfrm>
+      </p:grpSpPr>
+      <p:sp>
+        <p:nvSpPr>
+          <p:cNvPr id="2" name="Title 1">
+            <a:extLst>
+              <a:ext uri="{FF2B5EF4-FFF2-40B4-BE49-F238E27FC236}">
+                <a16:creationId xmlns:a16="http://schemas.microsoft.com/office/drawing/2014/main" id="{23A9ADBC-FAC8-48BB-8DD8-EDDD7D822B75}"/>
+              </a:ext>
+            </a:extLst>
+          </p:cNvPr>
+          <p:cNvSpPr>
+            <a:spLocks noGrp="1"/>
+          </p:cNvSpPr>
+          <p:nvPr>
+            <p:ph type="title"/>
+          </p:nvPr>
+        </p:nvSpPr>
+        <p:spPr/>
+        <p:txBody>
+          <a:bodyPr/>
+          <a:lstStyle/>
+          <a:p>
+            <a:r>
+              <a:rPr lang="en-US" dirty="0"/>
+              <a:t>Application Services</a:t>
+            </a:r>
+            <a:br>
+              <a:rPr lang="en-US" dirty="0"/>
+            </a:br>
+            <a:r>
+              <a:rPr lang="en-US" sz="3600" dirty="0"/>
+              <a:t>Input DTO best practices</a:t>
+            </a:r>
+            <a:endParaRPr lang="en-US" dirty="0"/>
+          </a:p>
+        </p:txBody>
+      </p:sp>
+      <p:pic>
+        <p:nvPicPr>
+          <p:cNvPr id="5" name="Picture 4">
+            <a:extLst>
+              <a:ext uri="{FF2B5EF4-FFF2-40B4-BE49-F238E27FC236}">
+                <a16:creationId xmlns:a16="http://schemas.microsoft.com/office/drawing/2014/main" id="{1FA790FD-6C8E-445E-BB91-A39CA922262F}"/>
+              </a:ext>
+            </a:extLst>
+          </p:cNvPr>
+          <p:cNvPicPr>
+            <a:picLocks noChangeAspect="1"/>
+          </p:cNvPicPr>
+          <p:nvPr/>
+        </p:nvPicPr>
+        <p:blipFill>
+          <a:blip r:embed="rId2"/>
+          <a:stretch>
+            <a:fillRect/>
+          </a:stretch>
+        </p:blipFill>
+        <p:spPr>
+          <a:xfrm>
+            <a:off x="452897" y="3338512"/>
+            <a:ext cx="6268408" cy="1375992"/>
+          </a:xfrm>
+          <a:prstGeom prst="rect">
+            <a:avLst/>
+          </a:prstGeom>
+        </p:spPr>
+      </p:pic>
+      <p:pic>
+        <p:nvPicPr>
+          <p:cNvPr id="6" name="Picture 5">
+            <a:extLst>
+              <a:ext uri="{FF2B5EF4-FFF2-40B4-BE49-F238E27FC236}">
+                <a16:creationId xmlns:a16="http://schemas.microsoft.com/office/drawing/2014/main" id="{E43D387B-3378-4287-9DA2-8595944156A1}"/>
+              </a:ext>
+            </a:extLst>
+          </p:cNvPr>
+          <p:cNvPicPr>
+            <a:picLocks noChangeAspect="1"/>
+          </p:cNvPicPr>
+          <p:nvPr/>
+        </p:nvPicPr>
+        <p:blipFill>
+          <a:blip r:embed="rId3"/>
+          <a:stretch>
+            <a:fillRect/>
+          </a:stretch>
+        </p:blipFill>
+        <p:spPr>
+          <a:xfrm>
+            <a:off x="6960274" y="1908765"/>
+            <a:ext cx="4661712" cy="4533933"/>
+          </a:xfrm>
+          <a:prstGeom prst="rect">
+            <a:avLst/>
+          </a:prstGeom>
+        </p:spPr>
+      </p:pic>
+      <p:sp>
+        <p:nvSpPr>
+          <p:cNvPr id="7" name="Content Placeholder 2">
+            <a:extLst>
+              <a:ext uri="{FF2B5EF4-FFF2-40B4-BE49-F238E27FC236}">
+                <a16:creationId xmlns:a16="http://schemas.microsoft.com/office/drawing/2014/main" id="{A108B78A-3B72-48EA-A6AE-275378C222C2}"/>
+              </a:ext>
+            </a:extLst>
+          </p:cNvPr>
+          <p:cNvSpPr>
+            <a:spLocks noGrp="1"/>
+          </p:cNvSpPr>
+          <p:nvPr>
+            <p:ph idx="1"/>
+          </p:nvPr>
+        </p:nvSpPr>
+        <p:spPr>
+          <a:xfrm>
+            <a:off x="838200" y="1825625"/>
+            <a:ext cx="5736771" cy="4351338"/>
+          </a:xfrm>
+        </p:spPr>
+        <p:txBody>
+          <a:bodyPr>
+            <a:normAutofit/>
+          </a:bodyPr>
+          <a:lstStyle/>
+          <a:p>
+            <a:r>
+              <a:rPr lang="en-US" sz="2000" dirty="0"/>
+              <a:t>Define only the </a:t>
+            </a:r>
+            <a:r>
+              <a:rPr lang="en-US" sz="2000" b="1" dirty="0"/>
+              <a:t>properties needed </a:t>
+            </a:r>
+            <a:r>
+              <a:rPr lang="en-US" sz="2000" dirty="0"/>
+              <a:t>for the use case</a:t>
+            </a:r>
+          </a:p>
+          <a:p>
+            <a:r>
+              <a:rPr lang="en-US" sz="2000" b="1" dirty="0"/>
+              <a:t>Do not reuse </a:t>
+            </a:r>
+            <a:r>
+              <a:rPr lang="en-US" sz="2000" dirty="0"/>
+              <a:t>same input DTO for multiple use cases (service methods)</a:t>
+            </a:r>
+          </a:p>
+        </p:txBody>
+      </p:sp>
+    </p:spTree>
+    <p:extLst>
+      <p:ext uri="{BB962C8B-B14F-4D97-AF65-F5344CB8AC3E}">
+        <p14:creationId xmlns:p14="http://schemas.microsoft.com/office/powerpoint/2010/main" val="3050098402"/>
+      </p:ext>
+    </p:extLst>
+  </p:cSld>
+  <p:clrMapOvr>
+    <a:masterClrMapping/>
+  </p:clrMapOvr>
+</p:sld>
+</file>
+
+<file path=ppt/slides/slide38.xml><?xml version="1.0" encoding="utf-8"?>
+<p:sld xmlns:a="http://schemas.openxmlformats.org/drawingml/2006/main" xmlns:r="http://schemas.openxmlformats.org/officeDocument/2006/relationships" xmlns:p="http://schemas.openxmlformats.org/presentationml/2006/main">
+  <p:cSld>
+    <p:spTree>
+      <p:nvGrpSpPr>
+        <p:cNvPr id="1" name=""/>
+        <p:cNvGrpSpPr/>
+        <p:nvPr/>
+      </p:nvGrpSpPr>
+      <p:grpSpPr>
+        <a:xfrm>
+          <a:off x="0" y="0"/>
+          <a:ext cx="0" cy="0"/>
+          <a:chOff x="0" y="0"/>
+          <a:chExt cx="0" cy="0"/>
+        </a:xfrm>
+      </p:grpSpPr>
+      <p:sp>
+        <p:nvSpPr>
+          <p:cNvPr id="2" name="Title 1">
+            <a:extLst>
+              <a:ext uri="{FF2B5EF4-FFF2-40B4-BE49-F238E27FC236}">
+                <a16:creationId xmlns:a16="http://schemas.microsoft.com/office/drawing/2014/main" id="{9FB313FD-548B-4540-B224-09368876E8C7}"/>
+              </a:ext>
+            </a:extLst>
+          </p:cNvPr>
+          <p:cNvSpPr>
+            <a:spLocks noGrp="1"/>
+          </p:cNvSpPr>
+          <p:nvPr>
+            <p:ph type="title"/>
+          </p:nvPr>
+        </p:nvSpPr>
+        <p:spPr/>
+        <p:txBody>
+          <a:bodyPr/>
+          <a:lstStyle/>
+          <a:p>
+            <a:r>
+              <a:rPr lang="en-US" dirty="0"/>
+              <a:t>Application Services</a:t>
+            </a:r>
+            <a:br>
+              <a:rPr lang="en-US" dirty="0"/>
+            </a:br>
+            <a:r>
+              <a:rPr lang="en-US" sz="3600" dirty="0"/>
+              <a:t>Input DTO best practices</a:t>
+            </a:r>
+            <a:endParaRPr lang="en-US" dirty="0"/>
+          </a:p>
+        </p:txBody>
+      </p:sp>
+      <p:sp>
+        <p:nvSpPr>
+          <p:cNvPr id="3" name="Content Placeholder 2">
+            <a:extLst>
+              <a:ext uri="{FF2B5EF4-FFF2-40B4-BE49-F238E27FC236}">
+                <a16:creationId xmlns:a16="http://schemas.microsoft.com/office/drawing/2014/main" id="{E4F3065D-52E2-4E8D-B74F-4FD51CEF1E49}"/>
+              </a:ext>
+            </a:extLst>
+          </p:cNvPr>
+          <p:cNvSpPr>
+            <a:spLocks noGrp="1"/>
+          </p:cNvSpPr>
+          <p:nvPr>
+            <p:ph idx="1"/>
+          </p:nvPr>
+        </p:nvSpPr>
+        <p:spPr/>
+        <p:txBody>
+          <a:bodyPr>
+            <a:normAutofit/>
+          </a:bodyPr>
+          <a:lstStyle/>
+          <a:p>
+            <a:r>
+              <a:rPr lang="en-US" sz="2400" dirty="0"/>
+              <a:t>Implement only the formal validation (can use data annotation attributes)</a:t>
+            </a:r>
+          </a:p>
+          <a:p>
+            <a:r>
+              <a:rPr lang="en-US" sz="2400" dirty="0"/>
+              <a:t>Don’t include domain validation logic (ex: unique user name constraint)</a:t>
+            </a:r>
+          </a:p>
+        </p:txBody>
+      </p:sp>
+      <p:pic>
+        <p:nvPicPr>
+          <p:cNvPr id="4" name="Picture 3">
+            <a:extLst>
+              <a:ext uri="{FF2B5EF4-FFF2-40B4-BE49-F238E27FC236}">
+                <a16:creationId xmlns:a16="http://schemas.microsoft.com/office/drawing/2014/main" id="{E3E2C096-C2C7-491F-882E-19EAAF360179}"/>
+              </a:ext>
+            </a:extLst>
+          </p:cNvPr>
+          <p:cNvPicPr>
+            <a:picLocks noChangeAspect="1"/>
+          </p:cNvPicPr>
+          <p:nvPr/>
+        </p:nvPicPr>
+        <p:blipFill>
+          <a:blip r:embed="rId2"/>
+          <a:stretch>
+            <a:fillRect/>
+          </a:stretch>
+        </p:blipFill>
+        <p:spPr>
+          <a:xfrm>
+            <a:off x="946763" y="2727365"/>
+            <a:ext cx="5074027" cy="3835994"/>
+          </a:xfrm>
+          <a:prstGeom prst="rect">
+            <a:avLst/>
+          </a:prstGeom>
+        </p:spPr>
+      </p:pic>
+    </p:spTree>
+    <p:extLst>
+      <p:ext uri="{BB962C8B-B14F-4D97-AF65-F5344CB8AC3E}">
+        <p14:creationId xmlns:p14="http://schemas.microsoft.com/office/powerpoint/2010/main" val="2419737228"/>
+      </p:ext>
+    </p:extLst>
+  </p:cSld>
+  <p:clrMapOvr>
+    <a:masterClrMapping/>
+  </p:clrMapOvr>
+</p:sld>
+</file>
+
+<file path=ppt/slides/slide39.xml><?xml version="1.0" encoding="utf-8"?>
+<p:sld xmlns:a="http://schemas.openxmlformats.org/drawingml/2006/main" xmlns:r="http://schemas.openxmlformats.org/officeDocument/2006/relationships" xmlns:p="http://schemas.openxmlformats.org/presentationml/2006/main">
+  <p:cSld>
+    <p:spTree>
+      <p:nvGrpSpPr>
+        <p:cNvPr id="1" name=""/>
+        <p:cNvGrpSpPr/>
+        <p:nvPr/>
+      </p:nvGrpSpPr>
+      <p:grpSpPr>
+        <a:xfrm>
+          <a:off x="0" y="0"/>
+          <a:ext cx="0" cy="0"/>
+          <a:chOff x="0" y="0"/>
+          <a:chExt cx="0" cy="0"/>
+        </a:xfrm>
+      </p:grpSpPr>
+      <p:sp>
+        <p:nvSpPr>
+          <p:cNvPr id="2" name="Title 1">
+            <a:extLst>
+              <a:ext uri="{FF2B5EF4-FFF2-40B4-BE49-F238E27FC236}">
+                <a16:creationId xmlns:a16="http://schemas.microsoft.com/office/drawing/2014/main" id="{51B01318-D890-40C9-B6DF-6B8706F18FB4}"/>
+              </a:ext>
+            </a:extLst>
+          </p:cNvPr>
+          <p:cNvSpPr>
+            <a:spLocks noGrp="1"/>
+          </p:cNvSpPr>
+          <p:nvPr>
+            <p:ph type="title"/>
+          </p:nvPr>
+        </p:nvSpPr>
+        <p:spPr/>
+        <p:txBody>
+          <a:bodyPr/>
+          <a:lstStyle/>
+          <a:p>
+            <a:endParaRPr lang="en-US"/>
+          </a:p>
+        </p:txBody>
+      </p:sp>
+      <p:sp>
+        <p:nvSpPr>
+          <p:cNvPr id="3" name="Content Placeholder 2">
+            <a:extLst>
+              <a:ext uri="{FF2B5EF4-FFF2-40B4-BE49-F238E27FC236}">
+                <a16:creationId xmlns:a16="http://schemas.microsoft.com/office/drawing/2014/main" id="{7021756C-A6F9-4576-85F5-2560FCD59BE6}"/>
+              </a:ext>
+            </a:extLst>
+          </p:cNvPr>
+          <p:cNvSpPr>
+            <a:spLocks noGrp="1"/>
+          </p:cNvSpPr>
+          <p:nvPr>
+            <p:ph idx="1"/>
+          </p:nvPr>
+        </p:nvSpPr>
+        <p:spPr/>
+        <p:txBody>
+          <a:bodyPr/>
+          <a:lstStyle/>
+          <a:p>
+            <a:endParaRPr lang="en-US"/>
+          </a:p>
+        </p:txBody>
+      </p:sp>
+    </p:spTree>
+    <p:extLst>
+      <p:ext uri="{BB962C8B-B14F-4D97-AF65-F5344CB8AC3E}">
+        <p14:creationId xmlns:p14="http://schemas.microsoft.com/office/powerpoint/2010/main" val="2490287402"/>
       </p:ext>
     </p:extLst>
   </p:cSld>
